--- a/presen.pptx
+++ b/presen.pptx
@@ -2,7 +2,7 @@
 <file path=ppt/presentation.xml><?xml version="1.0" encoding="utf-8"?>
 <p:presentation xmlns:a="http://schemas.openxmlformats.org/drawingml/2006/main" xmlns:r="http://schemas.openxmlformats.org/officeDocument/2006/relationships" xmlns:p="http://schemas.openxmlformats.org/presentationml/2006/main" saveSubsetFonts="1">
   <p:sldMasterIdLst>
-    <p:sldMasterId id="2147483648" r:id="rId1"/>
+    <p:sldMasterId id="2147483696" r:id="rId1"/>
   </p:sldMasterIdLst>
   <p:sldIdLst>
     <p:sldId id="256" r:id="rId2"/>
@@ -13,6 +13,7 @@
     <p:sldId id="259" r:id="rId7"/>
     <p:sldId id="261" r:id="rId8"/>
     <p:sldId id="260" r:id="rId9"/>
+    <p:sldId id="265" r:id="rId10"/>
   </p:sldIdLst>
   <p:sldSz cx="12192000" cy="6858000"/>
   <p:notesSz cx="6858000" cy="9144000"/>
@@ -20,7 +21,7 @@
     <a:defPPr>
       <a:defRPr lang="en-US"/>
     </a:defPPr>
-    <a:lvl1pPr marL="0" algn="l" defTabSz="914400" rtl="0" eaLnBrk="1" latinLnBrk="0" hangingPunct="1">
+    <a:lvl1pPr marL="0" algn="l" defTabSz="457200" rtl="0" eaLnBrk="1" latinLnBrk="0" hangingPunct="1">
       <a:defRPr sz="1800" kern="1200">
         <a:solidFill>
           <a:schemeClr val="tx1"/>
@@ -30,7 +31,7 @@
         <a:cs typeface="+mn-cs"/>
       </a:defRPr>
     </a:lvl1pPr>
-    <a:lvl2pPr marL="457200" algn="l" defTabSz="914400" rtl="0" eaLnBrk="1" latinLnBrk="0" hangingPunct="1">
+    <a:lvl2pPr marL="457200" algn="l" defTabSz="457200" rtl="0" eaLnBrk="1" latinLnBrk="0" hangingPunct="1">
       <a:defRPr sz="1800" kern="1200">
         <a:solidFill>
           <a:schemeClr val="tx1"/>
@@ -40,7 +41,7 @@
         <a:cs typeface="+mn-cs"/>
       </a:defRPr>
     </a:lvl2pPr>
-    <a:lvl3pPr marL="914400" algn="l" defTabSz="914400" rtl="0" eaLnBrk="1" latinLnBrk="0" hangingPunct="1">
+    <a:lvl3pPr marL="914400" algn="l" defTabSz="457200" rtl="0" eaLnBrk="1" latinLnBrk="0" hangingPunct="1">
       <a:defRPr sz="1800" kern="1200">
         <a:solidFill>
           <a:schemeClr val="tx1"/>
@@ -50,7 +51,7 @@
         <a:cs typeface="+mn-cs"/>
       </a:defRPr>
     </a:lvl3pPr>
-    <a:lvl4pPr marL="1371600" algn="l" defTabSz="914400" rtl="0" eaLnBrk="1" latinLnBrk="0" hangingPunct="1">
+    <a:lvl4pPr marL="1371600" algn="l" defTabSz="457200" rtl="0" eaLnBrk="1" latinLnBrk="0" hangingPunct="1">
       <a:defRPr sz="1800" kern="1200">
         <a:solidFill>
           <a:schemeClr val="tx1"/>
@@ -60,7 +61,7 @@
         <a:cs typeface="+mn-cs"/>
       </a:defRPr>
     </a:lvl4pPr>
-    <a:lvl5pPr marL="1828800" algn="l" defTabSz="914400" rtl="0" eaLnBrk="1" latinLnBrk="0" hangingPunct="1">
+    <a:lvl5pPr marL="1828800" algn="l" defTabSz="457200" rtl="0" eaLnBrk="1" latinLnBrk="0" hangingPunct="1">
       <a:defRPr sz="1800" kern="1200">
         <a:solidFill>
           <a:schemeClr val="tx1"/>
@@ -70,7 +71,7 @@
         <a:cs typeface="+mn-cs"/>
       </a:defRPr>
     </a:lvl5pPr>
-    <a:lvl6pPr marL="2286000" algn="l" defTabSz="914400" rtl="0" eaLnBrk="1" latinLnBrk="0" hangingPunct="1">
+    <a:lvl6pPr marL="2286000" algn="l" defTabSz="457200" rtl="0" eaLnBrk="1" latinLnBrk="0" hangingPunct="1">
       <a:defRPr sz="1800" kern="1200">
         <a:solidFill>
           <a:schemeClr val="tx1"/>
@@ -80,7 +81,7 @@
         <a:cs typeface="+mn-cs"/>
       </a:defRPr>
     </a:lvl6pPr>
-    <a:lvl7pPr marL="2743200" algn="l" defTabSz="914400" rtl="0" eaLnBrk="1" latinLnBrk="0" hangingPunct="1">
+    <a:lvl7pPr marL="2743200" algn="l" defTabSz="457200" rtl="0" eaLnBrk="1" latinLnBrk="0" hangingPunct="1">
       <a:defRPr sz="1800" kern="1200">
         <a:solidFill>
           <a:schemeClr val="tx1"/>
@@ -90,7 +91,7 @@
         <a:cs typeface="+mn-cs"/>
       </a:defRPr>
     </a:lvl7pPr>
-    <a:lvl8pPr marL="3200400" algn="l" defTabSz="914400" rtl="0" eaLnBrk="1" latinLnBrk="0" hangingPunct="1">
+    <a:lvl8pPr marL="3200400" algn="l" defTabSz="457200" rtl="0" eaLnBrk="1" latinLnBrk="0" hangingPunct="1">
       <a:defRPr sz="1800" kern="1200">
         <a:solidFill>
           <a:schemeClr val="tx1"/>
@@ -100,7 +101,7 @@
         <a:cs typeface="+mn-cs"/>
       </a:defRPr>
     </a:lvl8pPr>
-    <a:lvl9pPr marL="3657600" algn="l" defTabSz="914400" rtl="0" eaLnBrk="1" latinLnBrk="0" hangingPunct="1">
+    <a:lvl9pPr marL="3657600" algn="l" defTabSz="457200" rtl="0" eaLnBrk="1" latinLnBrk="0" hangingPunct="1">
       <a:defRPr sz="1800" kern="1200">
         <a:solidFill>
           <a:schemeClr val="tx1"/>
@@ -111,11 +112,16 @@
       </a:defRPr>
     </a:lvl9pPr>
   </p:defaultTextStyle>
+  <p:extLst>
+    <p:ext uri="{EFAFB233-063F-42B5-8137-9DF3F51BA10A}">
+      <p15:sldGuideLst xmlns:p15="http://schemas.microsoft.com/office/powerpoint/2012/main"/>
+    </p:ext>
+  </p:extLst>
 </p:presentation>
 </file>
 
 <file path=ppt/slideLayouts/slideLayout1.xml><?xml version="1.0" encoding="utf-8"?>
-<p:sldLayout xmlns:a="http://schemas.openxmlformats.org/drawingml/2006/main" xmlns:r="http://schemas.openxmlformats.org/officeDocument/2006/relationships" xmlns:p="http://schemas.openxmlformats.org/presentationml/2006/main" type="title" preserve="1">
+<p:sldLayout xmlns:a="http://schemas.openxmlformats.org/drawingml/2006/main" xmlns:r="http://schemas.openxmlformats.org/officeDocument/2006/relationships" xmlns:p="http://schemas.openxmlformats.org/presentationml/2006/main" showMasterSp="0" type="title" preserve="1">
   <p:cSld name="Title Slide">
     <p:spTree>
       <p:nvGrpSpPr>
@@ -133,31 +139,68 @@
       </p:grpSpPr>
       <p:sp>
         <p:nvSpPr>
-          <p:cNvPr id="2" name="Title 1">
-            <a:extLst>
-              <a:ext uri="{FF2B5EF4-FFF2-40B4-BE49-F238E27FC236}">
-                <a16:creationId xmlns:a16="http://schemas.microsoft.com/office/drawing/2014/main" id="{DE116B2F-96CB-4D34-98F3-5DEE6A7C3553}"/>
-              </a:ext>
-            </a:extLst>
-          </p:cNvPr>
-          <p:cNvSpPr>
-            <a:spLocks noGrp="1"/>
-          </p:cNvSpPr>
-          <p:nvPr>
-            <p:ph type="ctrTitle"/>
-          </p:nvPr>
+          <p:cNvPr id="7" name="Rectangle 6"/>
+          <p:cNvSpPr/>
+          <p:nvPr/>
         </p:nvSpPr>
         <p:spPr>
           <a:xfrm>
-            <a:off x="1524000" y="1122363"/>
-            <a:ext cx="9144000" cy="2387600"/>
+            <a:off x="-6843" y="2059012"/>
+            <a:ext cx="12195668" cy="1828800"/>
+          </a:xfrm>
+          <a:prstGeom prst="rect">
+            <a:avLst/>
+          </a:prstGeom>
+          <a:solidFill>
+            <a:schemeClr val="tx1"/>
+          </a:solidFill>
+          <a:ln>
+            <a:noFill/>
+          </a:ln>
+        </p:spPr>
+        <p:style>
+          <a:lnRef idx="2">
+            <a:schemeClr val="accent1">
+              <a:shade val="50000"/>
+            </a:schemeClr>
+          </a:lnRef>
+          <a:fillRef idx="1">
+            <a:schemeClr val="accent1"/>
+          </a:fillRef>
+          <a:effectRef idx="0">
+            <a:schemeClr val="accent1"/>
+          </a:effectRef>
+          <a:fontRef idx="minor">
+            <a:schemeClr val="lt1"/>
+          </a:fontRef>
+        </p:style>
+      </p:sp>
+      <p:sp>
+        <p:nvSpPr>
+          <p:cNvPr id="2" name="Title 1"/>
+          <p:cNvSpPr>
+            <a:spLocks noGrp="1"/>
+          </p:cNvSpPr>
+          <p:nvPr>
+            <p:ph type="ctrTitle"/>
+          </p:nvPr>
+        </p:nvSpPr>
+        <p:spPr>
+          <a:xfrm>
+            <a:off x="365759" y="2166364"/>
+            <a:ext cx="11471565" cy="1739347"/>
           </a:xfrm>
         </p:spPr>
         <p:txBody>
-          <a:bodyPr anchor="b"/>
+          <a:bodyPr tIns="45720" bIns="45720" anchor="ctr">
+            <a:normAutofit/>
+          </a:bodyPr>
           <a:lstStyle>
             <a:lvl1pPr algn="ctr">
-              <a:defRPr sz="6000"/>
+              <a:lnSpc>
+                <a:spcPct val="80000"/>
+              </a:lnSpc>
+              <a:defRPr sz="6000" spc="150" baseline="0"/>
             </a:lvl1pPr>
           </a:lstStyle>
           <a:p>
@@ -165,18 +208,13 @@
               <a:rPr lang="en-US"/>
               <a:t>Click to edit Master title style</a:t>
             </a:r>
-          </a:p>
-        </p:txBody>
-      </p:sp>
-      <p:sp>
-        <p:nvSpPr>
-          <p:cNvPr id="3" name="Subtitle 2">
-            <a:extLst>
-              <a:ext uri="{FF2B5EF4-FFF2-40B4-BE49-F238E27FC236}">
-                <a16:creationId xmlns:a16="http://schemas.microsoft.com/office/drawing/2014/main" id="{942F9F5F-6A9F-43B4-9604-C14A9B8E9BAD}"/>
-              </a:ext>
-            </a:extLst>
-          </p:cNvPr>
+            <a:endParaRPr lang="en-US" dirty="0"/>
+          </a:p>
+        </p:txBody>
+      </p:sp>
+      <p:sp>
+        <p:nvSpPr>
+          <p:cNvPr id="3" name="Subtitle 2"/>
           <p:cNvSpPr>
             <a:spLocks noGrp="1"/>
           </p:cNvSpPr>
@@ -186,16 +224,18 @@
         </p:nvSpPr>
         <p:spPr>
           <a:xfrm>
-            <a:off x="1524000" y="3602038"/>
-            <a:ext cx="9144000" cy="1655762"/>
+            <a:off x="1524000" y="3996250"/>
+            <a:ext cx="9144000" cy="1309255"/>
           </a:xfrm>
         </p:spPr>
         <p:txBody>
-          <a:bodyPr/>
+          <a:bodyPr>
+            <a:normAutofit/>
+          </a:bodyPr>
           <a:lstStyle>
             <a:lvl1pPr marL="0" indent="0" algn="ctr">
               <a:buNone/>
-              <a:defRPr sz="2400"/>
+              <a:defRPr sz="2000"/>
             </a:lvl1pPr>
             <a:lvl2pPr marL="457200" indent="0" algn="ctr">
               <a:buNone/>
@@ -203,31 +243,31 @@
             </a:lvl2pPr>
             <a:lvl3pPr marL="914400" indent="0" algn="ctr">
               <a:buNone/>
-              <a:defRPr sz="1800"/>
+              <a:defRPr sz="2000"/>
             </a:lvl3pPr>
             <a:lvl4pPr marL="1371600" indent="0" algn="ctr">
               <a:buNone/>
-              <a:defRPr sz="1600"/>
+              <a:defRPr sz="2000"/>
             </a:lvl4pPr>
             <a:lvl5pPr marL="1828800" indent="0" algn="ctr">
               <a:buNone/>
-              <a:defRPr sz="1600"/>
+              <a:defRPr sz="2000"/>
             </a:lvl5pPr>
             <a:lvl6pPr marL="2286000" indent="0" algn="ctr">
               <a:buNone/>
-              <a:defRPr sz="1600"/>
+              <a:defRPr sz="2000"/>
             </a:lvl6pPr>
             <a:lvl7pPr marL="2743200" indent="0" algn="ctr">
               <a:buNone/>
-              <a:defRPr sz="1600"/>
+              <a:defRPr sz="2000"/>
             </a:lvl7pPr>
             <a:lvl8pPr marL="3200400" indent="0" algn="ctr">
               <a:buNone/>
-              <a:defRPr sz="1600"/>
+              <a:defRPr sz="2000"/>
             </a:lvl8pPr>
             <a:lvl9pPr marL="3657600" indent="0" algn="ctr">
               <a:buNone/>
-              <a:defRPr sz="1600"/>
+              <a:defRPr sz="2000"/>
             </a:lvl9pPr>
           </a:lstStyle>
           <a:p>
@@ -235,18 +275,13 @@
               <a:rPr lang="en-US"/>
               <a:t>Click to edit Master subtitle style</a:t>
             </a:r>
-          </a:p>
-        </p:txBody>
-      </p:sp>
-      <p:sp>
-        <p:nvSpPr>
-          <p:cNvPr id="4" name="Date Placeholder 3">
-            <a:extLst>
-              <a:ext uri="{FF2B5EF4-FFF2-40B4-BE49-F238E27FC236}">
-                <a16:creationId xmlns:a16="http://schemas.microsoft.com/office/drawing/2014/main" id="{218928CA-11AB-498C-8DA5-9C7D86E9A014}"/>
-              </a:ext>
-            </a:extLst>
-          </p:cNvPr>
+            <a:endParaRPr lang="en-US" dirty="0"/>
+          </a:p>
+        </p:txBody>
+      </p:sp>
+      <p:sp>
+        <p:nvSpPr>
+          <p:cNvPr id="4" name="Date Placeholder 3"/>
           <p:cNvSpPr>
             <a:spLocks noGrp="1"/>
           </p:cNvSpPr>
@@ -269,13 +304,7 @@
       </p:sp>
       <p:sp>
         <p:nvSpPr>
-          <p:cNvPr id="5" name="Footer Placeholder 4">
-            <a:extLst>
-              <a:ext uri="{FF2B5EF4-FFF2-40B4-BE49-F238E27FC236}">
-                <a16:creationId xmlns:a16="http://schemas.microsoft.com/office/drawing/2014/main" id="{A793782A-C46E-486A-A0F9-4B6908874E82}"/>
-              </a:ext>
-            </a:extLst>
-          </p:cNvPr>
+          <p:cNvPr id="5" name="Footer Placeholder 4"/>
           <p:cNvSpPr>
             <a:spLocks noGrp="1"/>
           </p:cNvSpPr>
@@ -294,13 +323,7 @@
       </p:sp>
       <p:sp>
         <p:nvSpPr>
-          <p:cNvPr id="6" name="Slide Number Placeholder 5">
-            <a:extLst>
-              <a:ext uri="{FF2B5EF4-FFF2-40B4-BE49-F238E27FC236}">
-                <a16:creationId xmlns:a16="http://schemas.microsoft.com/office/drawing/2014/main" id="{DD8EA013-0720-429B-8BAD-52A825FF2D5D}"/>
-              </a:ext>
-            </a:extLst>
-          </p:cNvPr>
+          <p:cNvPr id="6" name="Slide Number Placeholder 5"/>
           <p:cNvSpPr>
             <a:spLocks noGrp="1"/>
           </p:cNvSpPr>
@@ -324,7 +347,7 @@
     </p:spTree>
     <p:extLst>
       <p:ext uri="{BB962C8B-B14F-4D97-AF65-F5344CB8AC3E}">
-        <p14:creationId xmlns:p14="http://schemas.microsoft.com/office/powerpoint/2010/main" val="3910902799"/>
+        <p14:creationId xmlns:p14="http://schemas.microsoft.com/office/powerpoint/2010/main" val="543824541"/>
       </p:ext>
     </p:extLst>
   </p:cSld>
@@ -353,13 +376,7 @@
       </p:grpSpPr>
       <p:sp>
         <p:nvSpPr>
-          <p:cNvPr id="2" name="Title 1">
-            <a:extLst>
-              <a:ext uri="{FF2B5EF4-FFF2-40B4-BE49-F238E27FC236}">
-                <a16:creationId xmlns:a16="http://schemas.microsoft.com/office/drawing/2014/main" id="{1106EDD8-29F3-4FE2-9EE0-AEDB710F9072}"/>
-              </a:ext>
-            </a:extLst>
-          </p:cNvPr>
+          <p:cNvPr id="2" name="Title 1"/>
           <p:cNvSpPr>
             <a:spLocks noGrp="1"/>
           </p:cNvSpPr>
@@ -376,18 +393,13 @@
               <a:rPr lang="en-US"/>
               <a:t>Click to edit Master title style</a:t>
             </a:r>
-          </a:p>
-        </p:txBody>
-      </p:sp>
-      <p:sp>
-        <p:nvSpPr>
-          <p:cNvPr id="3" name="Vertical Text Placeholder 2">
-            <a:extLst>
-              <a:ext uri="{FF2B5EF4-FFF2-40B4-BE49-F238E27FC236}">
-                <a16:creationId xmlns:a16="http://schemas.microsoft.com/office/drawing/2014/main" id="{3AD8F692-6AEC-44B3-BD16-87E31915C623}"/>
-              </a:ext>
-            </a:extLst>
-          </p:cNvPr>
+            <a:endParaRPr lang="en-US" dirty="0"/>
+          </a:p>
+        </p:txBody>
+      </p:sp>
+      <p:sp>
+        <p:nvSpPr>
+          <p:cNvPr id="3" name="Vertical Text Placeholder 2"/>
           <p:cNvSpPr>
             <a:spLocks noGrp="1"/>
           </p:cNvSpPr>
@@ -433,18 +445,13 @@
               <a:rPr lang="en-US"/>
               <a:t>Fifth level</a:t>
             </a:r>
-          </a:p>
-        </p:txBody>
-      </p:sp>
-      <p:sp>
-        <p:nvSpPr>
-          <p:cNvPr id="4" name="Date Placeholder 3">
-            <a:extLst>
-              <a:ext uri="{FF2B5EF4-FFF2-40B4-BE49-F238E27FC236}">
-                <a16:creationId xmlns:a16="http://schemas.microsoft.com/office/drawing/2014/main" id="{FA33AF80-20BF-432E-A7D8-7AEAD9984514}"/>
-              </a:ext>
-            </a:extLst>
-          </p:cNvPr>
+            <a:endParaRPr lang="en-US" dirty="0"/>
+          </a:p>
+        </p:txBody>
+      </p:sp>
+      <p:sp>
+        <p:nvSpPr>
+          <p:cNvPr id="4" name="Date Placeholder 3"/>
           <p:cNvSpPr>
             <a:spLocks noGrp="1"/>
           </p:cNvSpPr>
@@ -467,13 +474,7 @@
       </p:sp>
       <p:sp>
         <p:nvSpPr>
-          <p:cNvPr id="5" name="Footer Placeholder 4">
-            <a:extLst>
-              <a:ext uri="{FF2B5EF4-FFF2-40B4-BE49-F238E27FC236}">
-                <a16:creationId xmlns:a16="http://schemas.microsoft.com/office/drawing/2014/main" id="{DE2247EA-FBC8-42A7-810B-A20C7959D770}"/>
-              </a:ext>
-            </a:extLst>
-          </p:cNvPr>
+          <p:cNvPr id="5" name="Footer Placeholder 4"/>
           <p:cNvSpPr>
             <a:spLocks noGrp="1"/>
           </p:cNvSpPr>
@@ -492,13 +493,7 @@
       </p:sp>
       <p:sp>
         <p:nvSpPr>
-          <p:cNvPr id="6" name="Slide Number Placeholder 5">
-            <a:extLst>
-              <a:ext uri="{FF2B5EF4-FFF2-40B4-BE49-F238E27FC236}">
-                <a16:creationId xmlns:a16="http://schemas.microsoft.com/office/drawing/2014/main" id="{A08C7E8B-C508-44EF-989A-56C9B3676964}"/>
-              </a:ext>
-            </a:extLst>
-          </p:cNvPr>
+          <p:cNvPr id="6" name="Slide Number Placeholder 5"/>
           <p:cNvSpPr>
             <a:spLocks noGrp="1"/>
           </p:cNvSpPr>
@@ -522,7 +517,7 @@
     </p:spTree>
     <p:extLst>
       <p:ext uri="{BB962C8B-B14F-4D97-AF65-F5344CB8AC3E}">
-        <p14:creationId xmlns:p14="http://schemas.microsoft.com/office/powerpoint/2010/main" val="1643599078"/>
+        <p14:creationId xmlns:p14="http://schemas.microsoft.com/office/powerpoint/2010/main" val="115462486"/>
       </p:ext>
     </p:extLst>
   </p:cSld>
@@ -533,7 +528,7 @@
 </file>
 
 <file path=ppt/slideLayouts/slideLayout11.xml><?xml version="1.0" encoding="utf-8"?>
-<p:sldLayout xmlns:a="http://schemas.openxmlformats.org/drawingml/2006/main" xmlns:r="http://schemas.openxmlformats.org/officeDocument/2006/relationships" xmlns:p="http://schemas.openxmlformats.org/presentationml/2006/main" type="vertTitleAndTx" preserve="1">
+<p:sldLayout xmlns:a="http://schemas.openxmlformats.org/drawingml/2006/main" xmlns:r="http://schemas.openxmlformats.org/officeDocument/2006/relationships" xmlns:p="http://schemas.openxmlformats.org/presentationml/2006/main" showMasterSp="0" type="vertTitleAndTx" preserve="1">
   <p:cSld name="Vertical Title and Text">
     <p:spTree>
       <p:nvGrpSpPr>
@@ -551,24 +546,56 @@
       </p:grpSpPr>
       <p:sp>
         <p:nvSpPr>
-          <p:cNvPr id="2" name="Vertical Title 1">
-            <a:extLst>
-              <a:ext uri="{FF2B5EF4-FFF2-40B4-BE49-F238E27FC236}">
-                <a16:creationId xmlns:a16="http://schemas.microsoft.com/office/drawing/2014/main" id="{758124D1-561F-428D-BFBA-DDCD0DBDE5D4}"/>
-              </a:ext>
-            </a:extLst>
-          </p:cNvPr>
-          <p:cNvSpPr>
-            <a:spLocks noGrp="1"/>
-          </p:cNvSpPr>
-          <p:nvPr>
-            <p:ph type="title" orient="vert"/>
-          </p:nvPr>
+          <p:cNvPr id="7" name="Rectangle 6"/>
+          <p:cNvSpPr/>
+          <p:nvPr/>
         </p:nvSpPr>
         <p:spPr>
           <a:xfrm>
-            <a:off x="8724900" y="365125"/>
-            <a:ext cx="2628900" cy="5811838"/>
+            <a:off x="9019312" y="0"/>
+            <a:ext cx="2743200" cy="6858000"/>
+          </a:xfrm>
+          <a:prstGeom prst="rect">
+            <a:avLst/>
+          </a:prstGeom>
+          <a:solidFill>
+            <a:schemeClr val="tx1"/>
+          </a:solidFill>
+          <a:ln>
+            <a:noFill/>
+          </a:ln>
+        </p:spPr>
+        <p:style>
+          <a:lnRef idx="2">
+            <a:schemeClr val="accent1">
+              <a:shade val="50000"/>
+            </a:schemeClr>
+          </a:lnRef>
+          <a:fillRef idx="1">
+            <a:schemeClr val="accent1"/>
+          </a:fillRef>
+          <a:effectRef idx="0">
+            <a:schemeClr val="accent1"/>
+          </a:effectRef>
+          <a:fontRef idx="minor">
+            <a:schemeClr val="lt1"/>
+          </a:fontRef>
+        </p:style>
+      </p:sp>
+      <p:sp>
+        <p:nvSpPr>
+          <p:cNvPr id="2" name="Vertical Title 1"/>
+          <p:cNvSpPr>
+            <a:spLocks noGrp="1"/>
+          </p:cNvSpPr>
+          <p:nvPr>
+            <p:ph type="title" orient="vert"/>
+          </p:nvPr>
+        </p:nvSpPr>
+        <p:spPr>
+          <a:xfrm>
+            <a:off x="9160624" y="274638"/>
+            <a:ext cx="2402380" cy="5897562"/>
           </a:xfrm>
         </p:spPr>
         <p:txBody>
@@ -579,18 +606,13 @@
               <a:rPr lang="en-US"/>
               <a:t>Click to edit Master title style</a:t>
             </a:r>
-          </a:p>
-        </p:txBody>
-      </p:sp>
-      <p:sp>
-        <p:nvSpPr>
-          <p:cNvPr id="3" name="Vertical Text Placeholder 2">
-            <a:extLst>
-              <a:ext uri="{FF2B5EF4-FFF2-40B4-BE49-F238E27FC236}">
-                <a16:creationId xmlns:a16="http://schemas.microsoft.com/office/drawing/2014/main" id="{FE19EC54-B46A-4EE8-BFD6-E8B0FDE79535}"/>
-              </a:ext>
-            </a:extLst>
-          </p:cNvPr>
+            <a:endParaRPr lang="en-US" dirty="0"/>
+          </a:p>
+        </p:txBody>
+      </p:sp>
+      <p:sp>
+        <p:nvSpPr>
+          <p:cNvPr id="3" name="Vertical Text Placeholder 2"/>
           <p:cNvSpPr>
             <a:spLocks noGrp="1"/>
           </p:cNvSpPr>
@@ -600,8 +622,8 @@
         </p:nvSpPr>
         <p:spPr>
           <a:xfrm>
-            <a:off x="838200" y="365125"/>
-            <a:ext cx="7734300" cy="5811838"/>
+            <a:off x="838199" y="274638"/>
+            <a:ext cx="7973291" cy="5897562"/>
           </a:xfrm>
         </p:spPr>
         <p:txBody>
@@ -641,18 +663,13 @@
               <a:rPr lang="en-US"/>
               <a:t>Fifth level</a:t>
             </a:r>
-          </a:p>
-        </p:txBody>
-      </p:sp>
-      <p:sp>
-        <p:nvSpPr>
-          <p:cNvPr id="4" name="Date Placeholder 3">
-            <a:extLst>
-              <a:ext uri="{FF2B5EF4-FFF2-40B4-BE49-F238E27FC236}">
-                <a16:creationId xmlns:a16="http://schemas.microsoft.com/office/drawing/2014/main" id="{F4B6ECB7-D9CF-4220-BFFB-DC753C8A3F5B}"/>
-              </a:ext>
-            </a:extLst>
-          </p:cNvPr>
+            <a:endParaRPr lang="en-US" dirty="0"/>
+          </a:p>
+        </p:txBody>
+      </p:sp>
+      <p:sp>
+        <p:nvSpPr>
+          <p:cNvPr id="4" name="Date Placeholder 3"/>
           <p:cNvSpPr>
             <a:spLocks noGrp="1"/>
           </p:cNvSpPr>
@@ -660,7 +677,12 @@
             <p:ph type="dt" sz="half" idx="10"/>
           </p:nvPr>
         </p:nvSpPr>
-        <p:spPr/>
+        <p:spPr>
+          <a:xfrm>
+            <a:off x="838200" y="6422854"/>
+            <a:ext cx="2743196" cy="365125"/>
+          </a:xfrm>
+        </p:spPr>
         <p:txBody>
           <a:bodyPr/>
           <a:lstStyle/>
@@ -675,13 +697,7 @@
       </p:sp>
       <p:sp>
         <p:nvSpPr>
-          <p:cNvPr id="5" name="Footer Placeholder 4">
-            <a:extLst>
-              <a:ext uri="{FF2B5EF4-FFF2-40B4-BE49-F238E27FC236}">
-                <a16:creationId xmlns:a16="http://schemas.microsoft.com/office/drawing/2014/main" id="{672A213F-A187-4458-A9C6-00A133A4E7AF}"/>
-              </a:ext>
-            </a:extLst>
-          </p:cNvPr>
+          <p:cNvPr id="5" name="Footer Placeholder 4"/>
           <p:cNvSpPr>
             <a:spLocks noGrp="1"/>
           </p:cNvSpPr>
@@ -689,7 +705,12 @@
             <p:ph type="ftr" sz="quarter" idx="11"/>
           </p:nvPr>
         </p:nvSpPr>
-        <p:spPr/>
+        <p:spPr>
+          <a:xfrm>
+            <a:off x="3776135" y="6422854"/>
+            <a:ext cx="4279669" cy="365125"/>
+          </a:xfrm>
+        </p:spPr>
         <p:txBody>
           <a:bodyPr/>
           <a:lstStyle/>
@@ -700,13 +721,7 @@
       </p:sp>
       <p:sp>
         <p:nvSpPr>
-          <p:cNvPr id="6" name="Slide Number Placeholder 5">
-            <a:extLst>
-              <a:ext uri="{FF2B5EF4-FFF2-40B4-BE49-F238E27FC236}">
-                <a16:creationId xmlns:a16="http://schemas.microsoft.com/office/drawing/2014/main" id="{05AF77C7-251E-4783-A39D-330905B73EBA}"/>
-              </a:ext>
-            </a:extLst>
-          </p:cNvPr>
+          <p:cNvPr id="6" name="Slide Number Placeholder 5"/>
           <p:cNvSpPr>
             <a:spLocks noGrp="1"/>
           </p:cNvSpPr>
@@ -714,7 +729,12 @@
             <p:ph type="sldNum" sz="quarter" idx="12"/>
           </p:nvPr>
         </p:nvSpPr>
-        <p:spPr/>
+        <p:spPr>
+          <a:xfrm>
+            <a:off x="8073048" y="6422854"/>
+            <a:ext cx="879759" cy="365125"/>
+          </a:xfrm>
+        </p:spPr>
         <p:txBody>
           <a:bodyPr/>
           <a:lstStyle/>
@@ -730,7 +750,7 @@
     </p:spTree>
     <p:extLst>
       <p:ext uri="{BB962C8B-B14F-4D97-AF65-F5344CB8AC3E}">
-        <p14:creationId xmlns:p14="http://schemas.microsoft.com/office/powerpoint/2010/main" val="2735505546"/>
+        <p14:creationId xmlns:p14="http://schemas.microsoft.com/office/powerpoint/2010/main" val="974048202"/>
       </p:ext>
     </p:extLst>
   </p:cSld>
@@ -759,13 +779,7 @@
       </p:grpSpPr>
       <p:sp>
         <p:nvSpPr>
-          <p:cNvPr id="2" name="Title 1">
-            <a:extLst>
-              <a:ext uri="{FF2B5EF4-FFF2-40B4-BE49-F238E27FC236}">
-                <a16:creationId xmlns:a16="http://schemas.microsoft.com/office/drawing/2014/main" id="{8E42FF18-4995-4BD9-80C7-B134180B1DD5}"/>
-              </a:ext>
-            </a:extLst>
-          </p:cNvPr>
+          <p:cNvPr id="2" name="Title 1"/>
           <p:cNvSpPr>
             <a:spLocks noGrp="1"/>
           </p:cNvSpPr>
@@ -782,18 +796,13 @@
               <a:rPr lang="en-US"/>
               <a:t>Click to edit Master title style</a:t>
             </a:r>
-          </a:p>
-        </p:txBody>
-      </p:sp>
-      <p:sp>
-        <p:nvSpPr>
-          <p:cNvPr id="3" name="Content Placeholder 2">
-            <a:extLst>
-              <a:ext uri="{FF2B5EF4-FFF2-40B4-BE49-F238E27FC236}">
-                <a16:creationId xmlns:a16="http://schemas.microsoft.com/office/drawing/2014/main" id="{10629A55-A5DA-4C12-8E25-610EB51B2AA4}"/>
-              </a:ext>
-            </a:extLst>
-          </p:cNvPr>
+            <a:endParaRPr lang="en-US" dirty="0"/>
+          </a:p>
+        </p:txBody>
+      </p:sp>
+      <p:sp>
+        <p:nvSpPr>
+          <p:cNvPr id="3" name="Content Placeholder 2"/>
           <p:cNvSpPr>
             <a:spLocks noGrp="1"/>
           </p:cNvSpPr>
@@ -839,18 +848,13 @@
               <a:rPr lang="en-US"/>
               <a:t>Fifth level</a:t>
             </a:r>
-          </a:p>
-        </p:txBody>
-      </p:sp>
-      <p:sp>
-        <p:nvSpPr>
-          <p:cNvPr id="4" name="Date Placeholder 3">
-            <a:extLst>
-              <a:ext uri="{FF2B5EF4-FFF2-40B4-BE49-F238E27FC236}">
-                <a16:creationId xmlns:a16="http://schemas.microsoft.com/office/drawing/2014/main" id="{CE440566-4C95-4974-A284-45EF32819D1C}"/>
-              </a:ext>
-            </a:extLst>
-          </p:cNvPr>
+            <a:endParaRPr lang="en-US" dirty="0"/>
+          </a:p>
+        </p:txBody>
+      </p:sp>
+      <p:sp>
+        <p:nvSpPr>
+          <p:cNvPr id="4" name="Date Placeholder 3"/>
           <p:cNvSpPr>
             <a:spLocks noGrp="1"/>
           </p:cNvSpPr>
@@ -873,13 +877,7 @@
       </p:sp>
       <p:sp>
         <p:nvSpPr>
-          <p:cNvPr id="5" name="Footer Placeholder 4">
-            <a:extLst>
-              <a:ext uri="{FF2B5EF4-FFF2-40B4-BE49-F238E27FC236}">
-                <a16:creationId xmlns:a16="http://schemas.microsoft.com/office/drawing/2014/main" id="{233EAB66-4216-43FF-837B-AF8AAFAD70B1}"/>
-              </a:ext>
-            </a:extLst>
-          </p:cNvPr>
+          <p:cNvPr id="5" name="Footer Placeholder 4"/>
           <p:cNvSpPr>
             <a:spLocks noGrp="1"/>
           </p:cNvSpPr>
@@ -898,13 +896,7 @@
       </p:sp>
       <p:sp>
         <p:nvSpPr>
-          <p:cNvPr id="6" name="Slide Number Placeholder 5">
-            <a:extLst>
-              <a:ext uri="{FF2B5EF4-FFF2-40B4-BE49-F238E27FC236}">
-                <a16:creationId xmlns:a16="http://schemas.microsoft.com/office/drawing/2014/main" id="{D68B4685-69A5-4DD6-883C-AA2A10622F5E}"/>
-              </a:ext>
-            </a:extLst>
-          </p:cNvPr>
+          <p:cNvPr id="6" name="Slide Number Placeholder 5"/>
           <p:cNvSpPr>
             <a:spLocks noGrp="1"/>
           </p:cNvSpPr>
@@ -928,7 +920,7 @@
     </p:spTree>
     <p:extLst>
       <p:ext uri="{BB962C8B-B14F-4D97-AF65-F5344CB8AC3E}">
-        <p14:creationId xmlns:p14="http://schemas.microsoft.com/office/powerpoint/2010/main" val="2700096179"/>
+        <p14:creationId xmlns:p14="http://schemas.microsoft.com/office/powerpoint/2010/main" val="3958158927"/>
       </p:ext>
     </p:extLst>
   </p:cSld>
@@ -939,8 +931,13 @@
 </file>
 
 <file path=ppt/slideLayouts/slideLayout3.xml><?xml version="1.0" encoding="utf-8"?>
-<p:sldLayout xmlns:a="http://schemas.openxmlformats.org/drawingml/2006/main" xmlns:r="http://schemas.openxmlformats.org/officeDocument/2006/relationships" xmlns:p="http://schemas.openxmlformats.org/presentationml/2006/main" type="secHead" preserve="1">
+<p:sldLayout xmlns:a="http://schemas.openxmlformats.org/drawingml/2006/main" xmlns:r="http://schemas.openxmlformats.org/officeDocument/2006/relationships" xmlns:p="http://schemas.openxmlformats.org/presentationml/2006/main" showMasterSp="0" type="secHead" preserve="1">
   <p:cSld name="Section Header">
+    <p:bg>
+      <p:bgRef idx="1001">
+        <a:schemeClr val="bg1"/>
+      </p:bgRef>
+    </p:bg>
     <p:spTree>
       <p:nvGrpSpPr>
         <p:cNvPr id="1" name=""/>
@@ -957,31 +954,72 @@
       </p:grpSpPr>
       <p:sp>
         <p:nvSpPr>
-          <p:cNvPr id="2" name="Title 1">
-            <a:extLst>
-              <a:ext uri="{FF2B5EF4-FFF2-40B4-BE49-F238E27FC236}">
-                <a16:creationId xmlns:a16="http://schemas.microsoft.com/office/drawing/2014/main" id="{62E46BA4-2B04-492E-BFAB-6E2A43E39A04}"/>
-              </a:ext>
-            </a:extLst>
-          </p:cNvPr>
-          <p:cNvSpPr>
-            <a:spLocks noGrp="1"/>
-          </p:cNvSpPr>
-          <p:nvPr>
-            <p:ph type="title"/>
-          </p:nvPr>
+          <p:cNvPr id="7" name="Rectangle 6"/>
+          <p:cNvSpPr/>
+          <p:nvPr/>
         </p:nvSpPr>
         <p:spPr>
           <a:xfrm>
-            <a:off x="831850" y="1709738"/>
-            <a:ext cx="10515600" cy="2852737"/>
+            <a:off x="-6843" y="2059012"/>
+            <a:ext cx="12195668" cy="1828800"/>
+          </a:xfrm>
+          <a:prstGeom prst="rect">
+            <a:avLst/>
+          </a:prstGeom>
+          <a:solidFill>
+            <a:schemeClr val="tx2"/>
+          </a:solidFill>
+          <a:ln>
+            <a:noFill/>
+          </a:ln>
+        </p:spPr>
+        <p:style>
+          <a:lnRef idx="2">
+            <a:schemeClr val="accent1">
+              <a:shade val="50000"/>
+            </a:schemeClr>
+          </a:lnRef>
+          <a:fillRef idx="1">
+            <a:schemeClr val="accent1"/>
+          </a:fillRef>
+          <a:effectRef idx="0">
+            <a:schemeClr val="accent1"/>
+          </a:effectRef>
+          <a:fontRef idx="minor">
+            <a:schemeClr val="lt1"/>
+          </a:fontRef>
+        </p:style>
+      </p:sp>
+      <p:sp>
+        <p:nvSpPr>
+          <p:cNvPr id="2" name="Title 1"/>
+          <p:cNvSpPr>
+            <a:spLocks noGrp="1"/>
+          </p:cNvSpPr>
+          <p:nvPr>
+            <p:ph type="title"/>
+          </p:nvPr>
+        </p:nvSpPr>
+        <p:spPr>
+          <a:xfrm>
+            <a:off x="833191" y="2208879"/>
+            <a:ext cx="10515600" cy="1676400"/>
           </a:xfrm>
         </p:spPr>
         <p:txBody>
-          <a:bodyPr anchor="b"/>
+          <a:bodyPr anchor="ctr">
+            <a:noAutofit/>
+          </a:bodyPr>
           <a:lstStyle>
-            <a:lvl1pPr>
-              <a:defRPr sz="6000"/>
+            <a:lvl1pPr algn="ctr">
+              <a:lnSpc>
+                <a:spcPct val="80000"/>
+              </a:lnSpc>
+              <a:defRPr sz="6000" b="0" spc="150" baseline="0">
+                <a:solidFill>
+                  <a:schemeClr val="bg1"/>
+                </a:solidFill>
+              </a:defRPr>
             </a:lvl1pPr>
           </a:lstStyle>
           <a:p>
@@ -989,18 +1027,13 @@
               <a:rPr lang="en-US"/>
               <a:t>Click to edit Master title style</a:t>
             </a:r>
-          </a:p>
-        </p:txBody>
-      </p:sp>
-      <p:sp>
-        <p:nvSpPr>
-          <p:cNvPr id="3" name="Text Placeholder 2">
-            <a:extLst>
-              <a:ext uri="{FF2B5EF4-FFF2-40B4-BE49-F238E27FC236}">
-                <a16:creationId xmlns:a16="http://schemas.microsoft.com/office/drawing/2014/main" id="{BE3869CF-5900-421E-A4A6-94C8F111C90A}"/>
-              </a:ext>
-            </a:extLst>
-          </p:cNvPr>
+            <a:endParaRPr lang="en-US" dirty="0"/>
+          </a:p>
+        </p:txBody>
+      </p:sp>
+      <p:sp>
+        <p:nvSpPr>
+          <p:cNvPr id="3" name="Text Placeholder 2"/>
           <p:cNvSpPr>
             <a:spLocks noGrp="1"/>
           </p:cNvSpPr>
@@ -1010,26 +1043,26 @@
         </p:nvSpPr>
         <p:spPr>
           <a:xfrm>
-            <a:off x="831850" y="4589463"/>
-            <a:ext cx="10515600" cy="1500187"/>
+            <a:off x="833191" y="4010334"/>
+            <a:ext cx="10515600" cy="1174639"/>
           </a:xfrm>
         </p:spPr>
         <p:txBody>
-          <a:bodyPr/>
+          <a:bodyPr anchor="t">
+            <a:normAutofit/>
+          </a:bodyPr>
           <a:lstStyle>
-            <a:lvl1pPr marL="0" indent="0">
-              <a:buNone/>
-              <a:defRPr sz="2400">
+            <a:lvl1pPr marL="0" indent="0" algn="ctr">
+              <a:buNone/>
+              <a:defRPr sz="2000">
                 <a:solidFill>
-                  <a:schemeClr val="tx1">
-                    <a:tint val="75000"/>
-                  </a:schemeClr>
+                  <a:schemeClr val="tx2"/>
                 </a:solidFill>
               </a:defRPr>
             </a:lvl1pPr>
             <a:lvl2pPr marL="457200" indent="0">
               <a:buNone/>
-              <a:defRPr sz="2000">
+              <a:defRPr sz="1800">
                 <a:solidFill>
                   <a:schemeClr val="tx1">
                     <a:tint val="75000"/>
@@ -1039,7 +1072,7 @@
             </a:lvl2pPr>
             <a:lvl3pPr marL="914400" indent="0">
               <a:buNone/>
-              <a:defRPr sz="1800">
+              <a:defRPr sz="1600">
                 <a:solidFill>
                   <a:schemeClr val="tx1">
                     <a:tint val="75000"/>
@@ -1049,7 +1082,7 @@
             </a:lvl3pPr>
             <a:lvl4pPr marL="1371600" indent="0">
               <a:buNone/>
-              <a:defRPr sz="1600">
+              <a:defRPr sz="1400">
                 <a:solidFill>
                   <a:schemeClr val="tx1">
                     <a:tint val="75000"/>
@@ -1059,7 +1092,7 @@
             </a:lvl4pPr>
             <a:lvl5pPr marL="1828800" indent="0">
               <a:buNone/>
-              <a:defRPr sz="1600">
+              <a:defRPr sz="1400">
                 <a:solidFill>
                   <a:schemeClr val="tx1">
                     <a:tint val="75000"/>
@@ -1069,7 +1102,7 @@
             </a:lvl5pPr>
             <a:lvl6pPr marL="2286000" indent="0">
               <a:buNone/>
-              <a:defRPr sz="1600">
+              <a:defRPr sz="1400">
                 <a:solidFill>
                   <a:schemeClr val="tx1">
                     <a:tint val="75000"/>
@@ -1079,7 +1112,7 @@
             </a:lvl6pPr>
             <a:lvl7pPr marL="2743200" indent="0">
               <a:buNone/>
-              <a:defRPr sz="1600">
+              <a:defRPr sz="1400">
                 <a:solidFill>
                   <a:schemeClr val="tx1">
                     <a:tint val="75000"/>
@@ -1089,7 +1122,7 @@
             </a:lvl7pPr>
             <a:lvl8pPr marL="3200400" indent="0">
               <a:buNone/>
-              <a:defRPr sz="1600">
+              <a:defRPr sz="1400">
                 <a:solidFill>
                   <a:schemeClr val="tx1">
                     <a:tint val="75000"/>
@@ -1099,7 +1132,7 @@
             </a:lvl8pPr>
             <a:lvl9pPr marL="3657600" indent="0">
               <a:buNone/>
-              <a:defRPr sz="1600">
+              <a:defRPr sz="1400">
                 <a:solidFill>
                   <a:schemeClr val="tx1">
                     <a:tint val="75000"/>
@@ -1119,13 +1152,7 @@
       </p:sp>
       <p:sp>
         <p:nvSpPr>
-          <p:cNvPr id="4" name="Date Placeholder 3">
-            <a:extLst>
-              <a:ext uri="{FF2B5EF4-FFF2-40B4-BE49-F238E27FC236}">
-                <a16:creationId xmlns:a16="http://schemas.microsoft.com/office/drawing/2014/main" id="{F065937A-C3D2-4BE5-AA6B-5AABF61694C6}"/>
-              </a:ext>
-            </a:extLst>
-          </p:cNvPr>
+          <p:cNvPr id="4" name="Date Placeholder 3"/>
           <p:cNvSpPr>
             <a:spLocks noGrp="1"/>
           </p:cNvSpPr>
@@ -1136,7 +1163,15 @@
         <p:spPr/>
         <p:txBody>
           <a:bodyPr/>
-          <a:lstStyle/>
+          <a:lstStyle>
+            <a:lvl1pPr>
+              <a:defRPr>
+                <a:solidFill>
+                  <a:schemeClr val="tx2"/>
+                </a:solidFill>
+              </a:defRPr>
+            </a:lvl1pPr>
+          </a:lstStyle>
           <a:p>
             <a:fld id="{0A26DF4A-3AA5-42D1-A2DC-5A0DED125A9F}" type="datetimeFigureOut">
               <a:rPr lang="en-US" smtClean="0"/>
@@ -1148,13 +1183,7 @@
       </p:sp>
       <p:sp>
         <p:nvSpPr>
-          <p:cNvPr id="5" name="Footer Placeholder 4">
-            <a:extLst>
-              <a:ext uri="{FF2B5EF4-FFF2-40B4-BE49-F238E27FC236}">
-                <a16:creationId xmlns:a16="http://schemas.microsoft.com/office/drawing/2014/main" id="{86D3A717-D9C5-473A-B79C-1BFC1B2A279A}"/>
-              </a:ext>
-            </a:extLst>
-          </p:cNvPr>
+          <p:cNvPr id="5" name="Footer Placeholder 4"/>
           <p:cNvSpPr>
             <a:spLocks noGrp="1"/>
           </p:cNvSpPr>
@@ -1165,7 +1194,15 @@
         <p:spPr/>
         <p:txBody>
           <a:bodyPr/>
-          <a:lstStyle/>
+          <a:lstStyle>
+            <a:lvl1pPr>
+              <a:defRPr>
+                <a:solidFill>
+                  <a:schemeClr val="tx2"/>
+                </a:solidFill>
+              </a:defRPr>
+            </a:lvl1pPr>
+          </a:lstStyle>
           <a:p>
             <a:endParaRPr lang="en-US"/>
           </a:p>
@@ -1173,13 +1210,7 @@
       </p:sp>
       <p:sp>
         <p:nvSpPr>
-          <p:cNvPr id="6" name="Slide Number Placeholder 5">
-            <a:extLst>
-              <a:ext uri="{FF2B5EF4-FFF2-40B4-BE49-F238E27FC236}">
-                <a16:creationId xmlns:a16="http://schemas.microsoft.com/office/drawing/2014/main" id="{373AF7DD-ECDB-4C2A-A472-10682AD67C67}"/>
-              </a:ext>
-            </a:extLst>
-          </p:cNvPr>
+          <p:cNvPr id="6" name="Slide Number Placeholder 5"/>
           <p:cNvSpPr>
             <a:spLocks noGrp="1"/>
           </p:cNvSpPr>
@@ -1190,7 +1221,15 @@
         <p:spPr/>
         <p:txBody>
           <a:bodyPr/>
-          <a:lstStyle/>
+          <a:lstStyle>
+            <a:lvl1pPr>
+              <a:defRPr>
+                <a:solidFill>
+                  <a:schemeClr val="tx2"/>
+                </a:solidFill>
+              </a:defRPr>
+            </a:lvl1pPr>
+          </a:lstStyle>
           <a:p>
             <a:fld id="{8B32B5D4-158C-4907-A59E-4EF97112D7AA}" type="slidenum">
               <a:rPr lang="en-US" smtClean="0"/>
@@ -1203,12 +1242,12 @@
     </p:spTree>
     <p:extLst>
       <p:ext uri="{BB962C8B-B14F-4D97-AF65-F5344CB8AC3E}">
-        <p14:creationId xmlns:p14="http://schemas.microsoft.com/office/powerpoint/2010/main" val="1063741687"/>
+        <p14:creationId xmlns:p14="http://schemas.microsoft.com/office/powerpoint/2010/main" val="2951909914"/>
       </p:ext>
     </p:extLst>
   </p:cSld>
   <p:clrMapOvr>
-    <a:masterClrMapping/>
+    <a:overrideClrMapping bg1="lt1" tx1="dk1" bg2="lt2" tx2="dk2" accent1="accent1" accent2="accent2" accent3="accent3" accent4="accent4" accent5="accent5" accent6="accent6" hlink="hlink" folHlink="folHlink"/>
   </p:clrMapOvr>
 </p:sldLayout>
 </file>
@@ -1232,13 +1271,7 @@
       </p:grpSpPr>
       <p:sp>
         <p:nvSpPr>
-          <p:cNvPr id="2" name="Title 1">
-            <a:extLst>
-              <a:ext uri="{FF2B5EF4-FFF2-40B4-BE49-F238E27FC236}">
-                <a16:creationId xmlns:a16="http://schemas.microsoft.com/office/drawing/2014/main" id="{C5336861-0FEB-499C-B5C8-6C79DA8BA34A}"/>
-              </a:ext>
-            </a:extLst>
-          </p:cNvPr>
+          <p:cNvPr id="8" name="Title 7"/>
           <p:cNvSpPr>
             <a:spLocks noGrp="1"/>
           </p:cNvSpPr>
@@ -1255,18 +1288,13 @@
               <a:rPr lang="en-US"/>
               <a:t>Click to edit Master title style</a:t>
             </a:r>
-          </a:p>
-        </p:txBody>
-      </p:sp>
-      <p:sp>
-        <p:nvSpPr>
-          <p:cNvPr id="3" name="Content Placeholder 2">
-            <a:extLst>
-              <a:ext uri="{FF2B5EF4-FFF2-40B4-BE49-F238E27FC236}">
-                <a16:creationId xmlns:a16="http://schemas.microsoft.com/office/drawing/2014/main" id="{C2D422B1-BC84-4816-9451-D1042D6B5092}"/>
-              </a:ext>
-            </a:extLst>
-          </p:cNvPr>
+            <a:endParaRPr lang="en-US" dirty="0"/>
+          </a:p>
+        </p:txBody>
+      </p:sp>
+      <p:sp>
+        <p:nvSpPr>
+          <p:cNvPr id="3" name="Content Placeholder 2"/>
           <p:cNvSpPr>
             <a:spLocks noGrp="1"/>
           </p:cNvSpPr>
@@ -1276,13 +1304,41 @@
         </p:nvSpPr>
         <p:spPr>
           <a:xfrm>
-            <a:off x="838200" y="1825625"/>
-            <a:ext cx="5181600" cy="4351338"/>
+            <a:off x="1205344" y="2011680"/>
+            <a:ext cx="4754880" cy="4206240"/>
           </a:xfrm>
         </p:spPr>
         <p:txBody>
           <a:bodyPr/>
-          <a:lstStyle/>
+          <a:lstStyle>
+            <a:lvl1pPr>
+              <a:defRPr sz="2200"/>
+            </a:lvl1pPr>
+            <a:lvl2pPr>
+              <a:defRPr sz="2000"/>
+            </a:lvl2pPr>
+            <a:lvl3pPr>
+              <a:defRPr sz="1800"/>
+            </a:lvl3pPr>
+            <a:lvl4pPr>
+              <a:defRPr sz="1600"/>
+            </a:lvl4pPr>
+            <a:lvl5pPr>
+              <a:defRPr sz="1600"/>
+            </a:lvl5pPr>
+            <a:lvl6pPr>
+              <a:defRPr sz="1600"/>
+            </a:lvl6pPr>
+            <a:lvl7pPr>
+              <a:defRPr sz="1600"/>
+            </a:lvl7pPr>
+            <a:lvl8pPr>
+              <a:defRPr sz="1600"/>
+            </a:lvl8pPr>
+            <a:lvl9pPr>
+              <a:defRPr sz="1600"/>
+            </a:lvl9pPr>
+          </a:lstStyle>
           <a:p>
             <a:pPr lvl="0"/>
             <a:r>
@@ -1317,18 +1373,13 @@
               <a:rPr lang="en-US"/>
               <a:t>Fifth level</a:t>
             </a:r>
-          </a:p>
-        </p:txBody>
-      </p:sp>
-      <p:sp>
-        <p:nvSpPr>
-          <p:cNvPr id="4" name="Content Placeholder 3">
-            <a:extLst>
-              <a:ext uri="{FF2B5EF4-FFF2-40B4-BE49-F238E27FC236}">
-                <a16:creationId xmlns:a16="http://schemas.microsoft.com/office/drawing/2014/main" id="{4AAD8AA9-EEEB-440D-AA16-4C06B601DD6F}"/>
-              </a:ext>
-            </a:extLst>
-          </p:cNvPr>
+            <a:endParaRPr lang="en-US" dirty="0"/>
+          </a:p>
+        </p:txBody>
+      </p:sp>
+      <p:sp>
+        <p:nvSpPr>
+          <p:cNvPr id="4" name="Content Placeholder 3"/>
           <p:cNvSpPr>
             <a:spLocks noGrp="1"/>
           </p:cNvSpPr>
@@ -1338,13 +1389,41 @@
         </p:nvSpPr>
         <p:spPr>
           <a:xfrm>
-            <a:off x="6172200" y="1825625"/>
-            <a:ext cx="5181600" cy="4351338"/>
+            <a:off x="6230391" y="2011680"/>
+            <a:ext cx="4754880" cy="4206240"/>
           </a:xfrm>
         </p:spPr>
         <p:txBody>
           <a:bodyPr/>
-          <a:lstStyle/>
+          <a:lstStyle>
+            <a:lvl1pPr>
+              <a:defRPr sz="2200"/>
+            </a:lvl1pPr>
+            <a:lvl2pPr>
+              <a:defRPr sz="2000"/>
+            </a:lvl2pPr>
+            <a:lvl3pPr>
+              <a:defRPr sz="1800"/>
+            </a:lvl3pPr>
+            <a:lvl4pPr>
+              <a:defRPr sz="1600"/>
+            </a:lvl4pPr>
+            <a:lvl5pPr>
+              <a:defRPr sz="1600"/>
+            </a:lvl5pPr>
+            <a:lvl6pPr>
+              <a:defRPr sz="1600"/>
+            </a:lvl6pPr>
+            <a:lvl7pPr>
+              <a:defRPr sz="1600"/>
+            </a:lvl7pPr>
+            <a:lvl8pPr>
+              <a:defRPr sz="1600"/>
+            </a:lvl8pPr>
+            <a:lvl9pPr>
+              <a:defRPr sz="1600"/>
+            </a:lvl9pPr>
+          </a:lstStyle>
           <a:p>
             <a:pPr lvl="0"/>
             <a:r>
@@ -1379,18 +1458,13 @@
               <a:rPr lang="en-US"/>
               <a:t>Fifth level</a:t>
             </a:r>
-          </a:p>
-        </p:txBody>
-      </p:sp>
-      <p:sp>
-        <p:nvSpPr>
-          <p:cNvPr id="5" name="Date Placeholder 4">
-            <a:extLst>
-              <a:ext uri="{FF2B5EF4-FFF2-40B4-BE49-F238E27FC236}">
-                <a16:creationId xmlns:a16="http://schemas.microsoft.com/office/drawing/2014/main" id="{EEA6D456-59D2-47A7-B58B-012D86D80483}"/>
-              </a:ext>
-            </a:extLst>
-          </p:cNvPr>
+            <a:endParaRPr lang="en-US" dirty="0"/>
+          </a:p>
+        </p:txBody>
+      </p:sp>
+      <p:sp>
+        <p:nvSpPr>
+          <p:cNvPr id="5" name="Date Placeholder 4"/>
           <p:cNvSpPr>
             <a:spLocks noGrp="1"/>
           </p:cNvSpPr>
@@ -1413,13 +1487,7 @@
       </p:sp>
       <p:sp>
         <p:nvSpPr>
-          <p:cNvPr id="6" name="Footer Placeholder 5">
-            <a:extLst>
-              <a:ext uri="{FF2B5EF4-FFF2-40B4-BE49-F238E27FC236}">
-                <a16:creationId xmlns:a16="http://schemas.microsoft.com/office/drawing/2014/main" id="{7A25FAA9-2388-4EC5-A89A-FCB9975A12D8}"/>
-              </a:ext>
-            </a:extLst>
-          </p:cNvPr>
+          <p:cNvPr id="6" name="Footer Placeholder 5"/>
           <p:cNvSpPr>
             <a:spLocks noGrp="1"/>
           </p:cNvSpPr>
@@ -1438,13 +1506,7 @@
       </p:sp>
       <p:sp>
         <p:nvSpPr>
-          <p:cNvPr id="7" name="Slide Number Placeholder 6">
-            <a:extLst>
-              <a:ext uri="{FF2B5EF4-FFF2-40B4-BE49-F238E27FC236}">
-                <a16:creationId xmlns:a16="http://schemas.microsoft.com/office/drawing/2014/main" id="{7CACDB17-5586-438F-AE30-C6EB8BAE81E4}"/>
-              </a:ext>
-            </a:extLst>
-          </p:cNvPr>
+          <p:cNvPr id="7" name="Slide Number Placeholder 6"/>
           <p:cNvSpPr>
             <a:spLocks noGrp="1"/>
           </p:cNvSpPr>
@@ -1468,7 +1530,7 @@
     </p:spTree>
     <p:extLst>
       <p:ext uri="{BB962C8B-B14F-4D97-AF65-F5344CB8AC3E}">
-        <p14:creationId xmlns:p14="http://schemas.microsoft.com/office/powerpoint/2010/main" val="1353930337"/>
+        <p14:creationId xmlns:p14="http://schemas.microsoft.com/office/powerpoint/2010/main" val="3971239027"/>
       </p:ext>
     </p:extLst>
   </p:cSld>
@@ -1497,65 +1559,51 @@
       </p:grpSpPr>
       <p:sp>
         <p:nvSpPr>
-          <p:cNvPr id="2" name="Title 1">
-            <a:extLst>
-              <a:ext uri="{FF2B5EF4-FFF2-40B4-BE49-F238E27FC236}">
-                <a16:creationId xmlns:a16="http://schemas.microsoft.com/office/drawing/2014/main" id="{E0F13221-A4D3-4025-872B-9C90DD325598}"/>
-              </a:ext>
-            </a:extLst>
-          </p:cNvPr>
+          <p:cNvPr id="10" name="Title 9"/>
           <p:cNvSpPr>
             <a:spLocks noGrp="1"/>
           </p:cNvSpPr>
           <p:nvPr>
             <p:ph type="title"/>
+          </p:nvPr>
+        </p:nvSpPr>
+        <p:spPr/>
+        <p:txBody>
+          <a:bodyPr/>
+          <a:lstStyle/>
+          <a:p>
+            <a:r>
+              <a:rPr lang="en-US"/>
+              <a:t>Click to edit Master title style</a:t>
+            </a:r>
+            <a:endParaRPr lang="en-US" dirty="0"/>
+          </a:p>
+        </p:txBody>
+      </p:sp>
+      <p:sp>
+        <p:nvSpPr>
+          <p:cNvPr id="3" name="Text Placeholder 2"/>
+          <p:cNvSpPr>
+            <a:spLocks noGrp="1"/>
+          </p:cNvSpPr>
+          <p:nvPr>
+            <p:ph type="body" idx="1"/>
           </p:nvPr>
         </p:nvSpPr>
         <p:spPr>
           <a:xfrm>
-            <a:off x="839788" y="365125"/>
-            <a:ext cx="10515600" cy="1325563"/>
+            <a:off x="1207008" y="1913470"/>
+            <a:ext cx="4754880" cy="743094"/>
           </a:xfrm>
         </p:spPr>
         <p:txBody>
-          <a:bodyPr/>
-          <a:lstStyle/>
-          <a:p>
-            <a:r>
-              <a:rPr lang="en-US"/>
-              <a:t>Click to edit Master title style</a:t>
-            </a:r>
-          </a:p>
-        </p:txBody>
-      </p:sp>
-      <p:sp>
-        <p:nvSpPr>
-          <p:cNvPr id="3" name="Text Placeholder 2">
-            <a:extLst>
-              <a:ext uri="{FF2B5EF4-FFF2-40B4-BE49-F238E27FC236}">
-                <a16:creationId xmlns:a16="http://schemas.microsoft.com/office/drawing/2014/main" id="{B54AEDDB-707A-4937-8C9F-B8D8AF1FFB07}"/>
-              </a:ext>
-            </a:extLst>
-          </p:cNvPr>
-          <p:cNvSpPr>
-            <a:spLocks noGrp="1"/>
-          </p:cNvSpPr>
-          <p:nvPr>
-            <p:ph type="body" idx="1"/>
-          </p:nvPr>
-        </p:nvSpPr>
-        <p:spPr>
-          <a:xfrm>
-            <a:off x="839788" y="1681163"/>
-            <a:ext cx="5157787" cy="823912"/>
-          </a:xfrm>
-        </p:spPr>
-        <p:txBody>
-          <a:bodyPr anchor="b"/>
+          <a:bodyPr anchor="ctr">
+            <a:normAutofit/>
+          </a:bodyPr>
           <a:lstStyle>
             <a:lvl1pPr marL="0" indent="0">
               <a:buNone/>
-              <a:defRPr sz="2400" b="1"/>
+              <a:defRPr sz="2100" b="1"/>
             </a:lvl1pPr>
             <a:lvl2pPr marL="457200" indent="0">
               <a:buNone/>
@@ -1601,13 +1649,7 @@
       </p:sp>
       <p:sp>
         <p:nvSpPr>
-          <p:cNvPr id="4" name="Content Placeholder 3">
-            <a:extLst>
-              <a:ext uri="{FF2B5EF4-FFF2-40B4-BE49-F238E27FC236}">
-                <a16:creationId xmlns:a16="http://schemas.microsoft.com/office/drawing/2014/main" id="{111D1C0D-706F-4E23-8EB1-CFCD5685B679}"/>
-              </a:ext>
-            </a:extLst>
-          </p:cNvPr>
+          <p:cNvPr id="4" name="Content Placeholder 3"/>
           <p:cNvSpPr>
             <a:spLocks noGrp="1"/>
           </p:cNvSpPr>
@@ -1617,13 +1659,41 @@
         </p:nvSpPr>
         <p:spPr>
           <a:xfrm>
-            <a:off x="839788" y="2505075"/>
-            <a:ext cx="5157787" cy="3684588"/>
+            <a:off x="1207008" y="2656566"/>
+            <a:ext cx="4754880" cy="3566160"/>
           </a:xfrm>
         </p:spPr>
         <p:txBody>
           <a:bodyPr/>
-          <a:lstStyle/>
+          <a:lstStyle>
+            <a:lvl1pPr>
+              <a:defRPr sz="2200"/>
+            </a:lvl1pPr>
+            <a:lvl2pPr>
+              <a:defRPr sz="2000"/>
+            </a:lvl2pPr>
+            <a:lvl3pPr>
+              <a:defRPr sz="1800"/>
+            </a:lvl3pPr>
+            <a:lvl4pPr>
+              <a:defRPr sz="1600"/>
+            </a:lvl4pPr>
+            <a:lvl5pPr>
+              <a:defRPr sz="1600"/>
+            </a:lvl5pPr>
+            <a:lvl6pPr>
+              <a:defRPr sz="1600"/>
+            </a:lvl6pPr>
+            <a:lvl7pPr>
+              <a:defRPr sz="1600"/>
+            </a:lvl7pPr>
+            <a:lvl8pPr>
+              <a:defRPr sz="1600"/>
+            </a:lvl8pPr>
+            <a:lvl9pPr>
+              <a:defRPr sz="1600"/>
+            </a:lvl9pPr>
+          </a:lstStyle>
           <a:p>
             <a:pPr lvl="0"/>
             <a:r>
@@ -1658,18 +1728,13 @@
               <a:rPr lang="en-US"/>
               <a:t>Fifth level</a:t>
             </a:r>
-          </a:p>
-        </p:txBody>
-      </p:sp>
-      <p:sp>
-        <p:nvSpPr>
-          <p:cNvPr id="5" name="Text Placeholder 4">
-            <a:extLst>
-              <a:ext uri="{FF2B5EF4-FFF2-40B4-BE49-F238E27FC236}">
-                <a16:creationId xmlns:a16="http://schemas.microsoft.com/office/drawing/2014/main" id="{584EDABE-F1BA-466D-A884-A42AE938038C}"/>
-              </a:ext>
-            </a:extLst>
-          </p:cNvPr>
+            <a:endParaRPr lang="en-US" dirty="0"/>
+          </a:p>
+        </p:txBody>
+      </p:sp>
+      <p:sp>
+        <p:nvSpPr>
+          <p:cNvPr id="5" name="Text Placeholder 4"/>
           <p:cNvSpPr>
             <a:spLocks noGrp="1"/>
           </p:cNvSpPr>
@@ -1679,16 +1744,18 @@
         </p:nvSpPr>
         <p:spPr>
           <a:xfrm>
-            <a:off x="6172200" y="1681163"/>
-            <a:ext cx="5183188" cy="823912"/>
+            <a:off x="6231230" y="1913470"/>
+            <a:ext cx="4754880" cy="743094"/>
           </a:xfrm>
         </p:spPr>
         <p:txBody>
-          <a:bodyPr anchor="b"/>
+          <a:bodyPr anchor="ctr">
+            <a:normAutofit/>
+          </a:bodyPr>
           <a:lstStyle>
             <a:lvl1pPr marL="0" indent="0">
               <a:buNone/>
-              <a:defRPr sz="2400" b="1"/>
+              <a:defRPr sz="2100" b="1"/>
             </a:lvl1pPr>
             <a:lvl2pPr marL="457200" indent="0">
               <a:buNone/>
@@ -1734,13 +1801,7 @@
       </p:sp>
       <p:sp>
         <p:nvSpPr>
-          <p:cNvPr id="6" name="Content Placeholder 5">
-            <a:extLst>
-              <a:ext uri="{FF2B5EF4-FFF2-40B4-BE49-F238E27FC236}">
-                <a16:creationId xmlns:a16="http://schemas.microsoft.com/office/drawing/2014/main" id="{01496E1A-D2AC-4E05-9C75-DD5C35B61F20}"/>
-              </a:ext>
-            </a:extLst>
-          </p:cNvPr>
+          <p:cNvPr id="6" name="Content Placeholder 5"/>
           <p:cNvSpPr>
             <a:spLocks noGrp="1"/>
           </p:cNvSpPr>
@@ -1750,13 +1811,41 @@
         </p:nvSpPr>
         <p:spPr>
           <a:xfrm>
-            <a:off x="6172200" y="2505075"/>
-            <a:ext cx="5183188" cy="3684588"/>
+            <a:off x="6231230" y="2656564"/>
+            <a:ext cx="4754880" cy="3566160"/>
           </a:xfrm>
         </p:spPr>
         <p:txBody>
           <a:bodyPr/>
-          <a:lstStyle/>
+          <a:lstStyle>
+            <a:lvl1pPr>
+              <a:defRPr sz="2200"/>
+            </a:lvl1pPr>
+            <a:lvl2pPr>
+              <a:defRPr sz="2000"/>
+            </a:lvl2pPr>
+            <a:lvl3pPr>
+              <a:defRPr sz="1800"/>
+            </a:lvl3pPr>
+            <a:lvl4pPr>
+              <a:defRPr sz="1600"/>
+            </a:lvl4pPr>
+            <a:lvl5pPr>
+              <a:defRPr sz="1600"/>
+            </a:lvl5pPr>
+            <a:lvl6pPr>
+              <a:defRPr sz="1600"/>
+            </a:lvl6pPr>
+            <a:lvl7pPr>
+              <a:defRPr sz="1600"/>
+            </a:lvl7pPr>
+            <a:lvl8pPr>
+              <a:defRPr sz="1600"/>
+            </a:lvl8pPr>
+            <a:lvl9pPr>
+              <a:defRPr sz="1600"/>
+            </a:lvl9pPr>
+          </a:lstStyle>
           <a:p>
             <a:pPr lvl="0"/>
             <a:r>
@@ -1791,18 +1880,13 @@
               <a:rPr lang="en-US"/>
               <a:t>Fifth level</a:t>
             </a:r>
-          </a:p>
-        </p:txBody>
-      </p:sp>
-      <p:sp>
-        <p:nvSpPr>
-          <p:cNvPr id="7" name="Date Placeholder 6">
-            <a:extLst>
-              <a:ext uri="{FF2B5EF4-FFF2-40B4-BE49-F238E27FC236}">
-                <a16:creationId xmlns:a16="http://schemas.microsoft.com/office/drawing/2014/main" id="{CD94AF49-148D-45A4-846A-CC5EADC20800}"/>
-              </a:ext>
-            </a:extLst>
-          </p:cNvPr>
+            <a:endParaRPr lang="en-US" dirty="0"/>
+          </a:p>
+        </p:txBody>
+      </p:sp>
+      <p:sp>
+        <p:nvSpPr>
+          <p:cNvPr id="7" name="Date Placeholder 6"/>
           <p:cNvSpPr>
             <a:spLocks noGrp="1"/>
           </p:cNvSpPr>
@@ -1825,13 +1909,7 @@
       </p:sp>
       <p:sp>
         <p:nvSpPr>
-          <p:cNvPr id="8" name="Footer Placeholder 7">
-            <a:extLst>
-              <a:ext uri="{FF2B5EF4-FFF2-40B4-BE49-F238E27FC236}">
-                <a16:creationId xmlns:a16="http://schemas.microsoft.com/office/drawing/2014/main" id="{2FD36382-832E-4E88-9DC1-FC1B1A30488A}"/>
-              </a:ext>
-            </a:extLst>
-          </p:cNvPr>
+          <p:cNvPr id="8" name="Footer Placeholder 7"/>
           <p:cNvSpPr>
             <a:spLocks noGrp="1"/>
           </p:cNvSpPr>
@@ -1850,13 +1928,7 @@
       </p:sp>
       <p:sp>
         <p:nvSpPr>
-          <p:cNvPr id="9" name="Slide Number Placeholder 8">
-            <a:extLst>
-              <a:ext uri="{FF2B5EF4-FFF2-40B4-BE49-F238E27FC236}">
-                <a16:creationId xmlns:a16="http://schemas.microsoft.com/office/drawing/2014/main" id="{ECB05CE2-DD00-4198-AF32-88337AC3DF15}"/>
-              </a:ext>
-            </a:extLst>
-          </p:cNvPr>
+          <p:cNvPr id="9" name="Slide Number Placeholder 8"/>
           <p:cNvSpPr>
             <a:spLocks noGrp="1"/>
           </p:cNvSpPr>
@@ -1880,7 +1952,7 @@
     </p:spTree>
     <p:extLst>
       <p:ext uri="{BB962C8B-B14F-4D97-AF65-F5344CB8AC3E}">
-        <p14:creationId xmlns:p14="http://schemas.microsoft.com/office/powerpoint/2010/main" val="1321277022"/>
+        <p14:creationId xmlns:p14="http://schemas.microsoft.com/office/powerpoint/2010/main" val="1443562078"/>
       </p:ext>
     </p:extLst>
   </p:cSld>
@@ -1909,13 +1981,7 @@
       </p:grpSpPr>
       <p:sp>
         <p:nvSpPr>
-          <p:cNvPr id="2" name="Title 1">
-            <a:extLst>
-              <a:ext uri="{FF2B5EF4-FFF2-40B4-BE49-F238E27FC236}">
-                <a16:creationId xmlns:a16="http://schemas.microsoft.com/office/drawing/2014/main" id="{74243E60-B9F4-40CB-B82A-C5F5F13B59C2}"/>
-              </a:ext>
-            </a:extLst>
-          </p:cNvPr>
+          <p:cNvPr id="2" name="Title 1"/>
           <p:cNvSpPr>
             <a:spLocks noGrp="1"/>
           </p:cNvSpPr>
@@ -1932,18 +1998,13 @@
               <a:rPr lang="en-US"/>
               <a:t>Click to edit Master title style</a:t>
             </a:r>
-          </a:p>
-        </p:txBody>
-      </p:sp>
-      <p:sp>
-        <p:nvSpPr>
-          <p:cNvPr id="3" name="Date Placeholder 2">
-            <a:extLst>
-              <a:ext uri="{FF2B5EF4-FFF2-40B4-BE49-F238E27FC236}">
-                <a16:creationId xmlns:a16="http://schemas.microsoft.com/office/drawing/2014/main" id="{FAF65896-1898-44AC-B2C5-4990E572AFB0}"/>
-              </a:ext>
-            </a:extLst>
-          </p:cNvPr>
+            <a:endParaRPr lang="en-US" dirty="0"/>
+          </a:p>
+        </p:txBody>
+      </p:sp>
+      <p:sp>
+        <p:nvSpPr>
+          <p:cNvPr id="3" name="Date Placeholder 2"/>
           <p:cNvSpPr>
             <a:spLocks noGrp="1"/>
           </p:cNvSpPr>
@@ -1966,13 +2027,7 @@
       </p:sp>
       <p:sp>
         <p:nvSpPr>
-          <p:cNvPr id="4" name="Footer Placeholder 3">
-            <a:extLst>
-              <a:ext uri="{FF2B5EF4-FFF2-40B4-BE49-F238E27FC236}">
-                <a16:creationId xmlns:a16="http://schemas.microsoft.com/office/drawing/2014/main" id="{4F8BB28F-75D0-4E51-A327-D27EE7F61D55}"/>
-              </a:ext>
-            </a:extLst>
-          </p:cNvPr>
+          <p:cNvPr id="4" name="Footer Placeholder 3"/>
           <p:cNvSpPr>
             <a:spLocks noGrp="1"/>
           </p:cNvSpPr>
@@ -1991,13 +2046,7 @@
       </p:sp>
       <p:sp>
         <p:nvSpPr>
-          <p:cNvPr id="5" name="Slide Number Placeholder 4">
-            <a:extLst>
-              <a:ext uri="{FF2B5EF4-FFF2-40B4-BE49-F238E27FC236}">
-                <a16:creationId xmlns:a16="http://schemas.microsoft.com/office/drawing/2014/main" id="{F14E920D-5927-4FD9-BD30-6CFC43A14FF5}"/>
-              </a:ext>
-            </a:extLst>
-          </p:cNvPr>
+          <p:cNvPr id="5" name="Slide Number Placeholder 4"/>
           <p:cNvSpPr>
             <a:spLocks noGrp="1"/>
           </p:cNvSpPr>
@@ -2021,7 +2070,7 @@
     </p:spTree>
     <p:extLst>
       <p:ext uri="{BB962C8B-B14F-4D97-AF65-F5344CB8AC3E}">
-        <p14:creationId xmlns:p14="http://schemas.microsoft.com/office/powerpoint/2010/main" val="3091990065"/>
+        <p14:creationId xmlns:p14="http://schemas.microsoft.com/office/powerpoint/2010/main" val="3355771094"/>
       </p:ext>
     </p:extLst>
   </p:cSld>
@@ -2032,7 +2081,7 @@
 </file>
 
 <file path=ppt/slideLayouts/slideLayout7.xml><?xml version="1.0" encoding="utf-8"?>
-<p:sldLayout xmlns:a="http://schemas.openxmlformats.org/drawingml/2006/main" xmlns:r="http://schemas.openxmlformats.org/officeDocument/2006/relationships" xmlns:p="http://schemas.openxmlformats.org/presentationml/2006/main" type="blank" preserve="1">
+<p:sldLayout xmlns:a="http://schemas.openxmlformats.org/drawingml/2006/main" xmlns:r="http://schemas.openxmlformats.org/officeDocument/2006/relationships" xmlns:p="http://schemas.openxmlformats.org/presentationml/2006/main" showMasterSp="0" type="blank" preserve="1">
   <p:cSld name="Blank">
     <p:spTree>
       <p:nvGrpSpPr>
@@ -2050,13 +2099,7 @@
       </p:grpSpPr>
       <p:sp>
         <p:nvSpPr>
-          <p:cNvPr id="2" name="Date Placeholder 1">
-            <a:extLst>
-              <a:ext uri="{FF2B5EF4-FFF2-40B4-BE49-F238E27FC236}">
-                <a16:creationId xmlns:a16="http://schemas.microsoft.com/office/drawing/2014/main" id="{710367AF-28C9-41FA-8639-41747F9B0805}"/>
-              </a:ext>
-            </a:extLst>
-          </p:cNvPr>
+          <p:cNvPr id="2" name="Date Placeholder 1"/>
           <p:cNvSpPr>
             <a:spLocks noGrp="1"/>
           </p:cNvSpPr>
@@ -2079,13 +2122,7 @@
       </p:sp>
       <p:sp>
         <p:nvSpPr>
-          <p:cNvPr id="3" name="Footer Placeholder 2">
-            <a:extLst>
-              <a:ext uri="{FF2B5EF4-FFF2-40B4-BE49-F238E27FC236}">
-                <a16:creationId xmlns:a16="http://schemas.microsoft.com/office/drawing/2014/main" id="{7D7EB05D-D07D-4678-A31C-E78996EF5B6C}"/>
-              </a:ext>
-            </a:extLst>
-          </p:cNvPr>
+          <p:cNvPr id="3" name="Footer Placeholder 2"/>
           <p:cNvSpPr>
             <a:spLocks noGrp="1"/>
           </p:cNvSpPr>
@@ -2104,13 +2141,7 @@
       </p:sp>
       <p:sp>
         <p:nvSpPr>
-          <p:cNvPr id="4" name="Slide Number Placeholder 3">
-            <a:extLst>
-              <a:ext uri="{FF2B5EF4-FFF2-40B4-BE49-F238E27FC236}">
-                <a16:creationId xmlns:a16="http://schemas.microsoft.com/office/drawing/2014/main" id="{DEF327C7-826A-4FB9-9EAC-011B8FE3B3D8}"/>
-              </a:ext>
-            </a:extLst>
-          </p:cNvPr>
+          <p:cNvPr id="4" name="Slide Number Placeholder 3"/>
           <p:cNvSpPr>
             <a:spLocks noGrp="1"/>
           </p:cNvSpPr>
@@ -2134,7 +2165,7 @@
     </p:spTree>
     <p:extLst>
       <p:ext uri="{BB962C8B-B14F-4D97-AF65-F5344CB8AC3E}">
-        <p14:creationId xmlns:p14="http://schemas.microsoft.com/office/powerpoint/2010/main" val="1297818241"/>
+        <p14:creationId xmlns:p14="http://schemas.microsoft.com/office/powerpoint/2010/main" val="3735059015"/>
       </p:ext>
     </p:extLst>
   </p:cSld>
@@ -2163,61 +2194,41 @@
       </p:grpSpPr>
       <p:sp>
         <p:nvSpPr>
-          <p:cNvPr id="2" name="Title 1">
-            <a:extLst>
-              <a:ext uri="{FF2B5EF4-FFF2-40B4-BE49-F238E27FC236}">
-                <a16:creationId xmlns:a16="http://schemas.microsoft.com/office/drawing/2014/main" id="{45A018A5-2DB9-4518-947C-E898E1A50328}"/>
-              </a:ext>
-            </a:extLst>
-          </p:cNvPr>
+          <p:cNvPr id="8" name="Title 7"/>
           <p:cNvSpPr>
             <a:spLocks noGrp="1"/>
           </p:cNvSpPr>
           <p:nvPr>
             <p:ph type="title"/>
+          </p:nvPr>
+        </p:nvSpPr>
+        <p:spPr/>
+        <p:txBody>
+          <a:bodyPr/>
+          <a:lstStyle/>
+          <a:p>
+            <a:r>
+              <a:rPr lang="en-US"/>
+              <a:t>Click to edit Master title style</a:t>
+            </a:r>
+            <a:endParaRPr lang="en-US" dirty="0"/>
+          </a:p>
+        </p:txBody>
+      </p:sp>
+      <p:sp>
+        <p:nvSpPr>
+          <p:cNvPr id="3" name="Content Placeholder 2"/>
+          <p:cNvSpPr>
+            <a:spLocks noGrp="1"/>
+          </p:cNvSpPr>
+          <p:nvPr>
+            <p:ph idx="1"/>
           </p:nvPr>
         </p:nvSpPr>
         <p:spPr>
           <a:xfrm>
-            <a:off x="839788" y="457200"/>
-            <a:ext cx="3932237" cy="1600200"/>
-          </a:xfrm>
-        </p:spPr>
-        <p:txBody>
-          <a:bodyPr anchor="b"/>
-          <a:lstStyle>
-            <a:lvl1pPr>
-              <a:defRPr sz="3200"/>
-            </a:lvl1pPr>
-          </a:lstStyle>
-          <a:p>
-            <a:r>
-              <a:rPr lang="en-US"/>
-              <a:t>Click to edit Master title style</a:t>
-            </a:r>
-          </a:p>
-        </p:txBody>
-      </p:sp>
-      <p:sp>
-        <p:nvSpPr>
-          <p:cNvPr id="3" name="Content Placeholder 2">
-            <a:extLst>
-              <a:ext uri="{FF2B5EF4-FFF2-40B4-BE49-F238E27FC236}">
-                <a16:creationId xmlns:a16="http://schemas.microsoft.com/office/drawing/2014/main" id="{EF5621C7-5967-461B-BB1F-E1E3E2506B7E}"/>
-              </a:ext>
-            </a:extLst>
-          </p:cNvPr>
-          <p:cNvSpPr>
-            <a:spLocks noGrp="1"/>
-          </p:cNvSpPr>
-          <p:nvPr>
-            <p:ph idx="1"/>
-          </p:nvPr>
-        </p:nvSpPr>
-        <p:spPr>
-          <a:xfrm>
-            <a:off x="5183188" y="987425"/>
-            <a:ext cx="6172200" cy="4873625"/>
+            <a:off x="1207008" y="2120054"/>
+            <a:ext cx="6126480" cy="4114800"/>
           </a:xfrm>
         </p:spPr>
         <p:txBody>
@@ -2285,18 +2296,13 @@
               <a:rPr lang="en-US"/>
               <a:t>Fifth level</a:t>
             </a:r>
-          </a:p>
-        </p:txBody>
-      </p:sp>
-      <p:sp>
-        <p:nvSpPr>
-          <p:cNvPr id="4" name="Text Placeholder 3">
-            <a:extLst>
-              <a:ext uri="{FF2B5EF4-FFF2-40B4-BE49-F238E27FC236}">
-                <a16:creationId xmlns:a16="http://schemas.microsoft.com/office/drawing/2014/main" id="{2A344076-B97F-43B5-9161-4BCE2414ACDD}"/>
-              </a:ext>
-            </a:extLst>
-          </p:cNvPr>
+            <a:endParaRPr lang="en-US" dirty="0"/>
+          </a:p>
+        </p:txBody>
+      </p:sp>
+      <p:sp>
+        <p:nvSpPr>
+          <p:cNvPr id="4" name="Text Placeholder 3"/>
           <p:cNvSpPr>
             <a:spLocks noGrp="1"/>
           </p:cNvSpPr>
@@ -2306,48 +2312,53 @@
         </p:nvSpPr>
         <p:spPr>
           <a:xfrm>
-            <a:off x="839788" y="2057400"/>
-            <a:ext cx="3932237" cy="3811588"/>
+            <a:off x="7789023" y="2147486"/>
+            <a:ext cx="3200400" cy="3432319"/>
           </a:xfrm>
         </p:spPr>
         <p:txBody>
-          <a:bodyPr/>
+          <a:bodyPr>
+            <a:normAutofit/>
+          </a:bodyPr>
           <a:lstStyle>
             <a:lvl1pPr marL="0" indent="0">
-              <a:buNone/>
-              <a:defRPr sz="1600"/>
+              <a:lnSpc>
+                <a:spcPct val="95000"/>
+              </a:lnSpc>
+              <a:buNone/>
+              <a:defRPr sz="1800"/>
             </a:lvl1pPr>
             <a:lvl2pPr marL="457200" indent="0">
               <a:buNone/>
-              <a:defRPr sz="1400"/>
+              <a:defRPr sz="1200"/>
             </a:lvl2pPr>
             <a:lvl3pPr marL="914400" indent="0">
               <a:buNone/>
-              <a:defRPr sz="1200"/>
+              <a:defRPr sz="1000"/>
             </a:lvl3pPr>
             <a:lvl4pPr marL="1371600" indent="0">
               <a:buNone/>
-              <a:defRPr sz="1000"/>
+              <a:defRPr sz="900"/>
             </a:lvl4pPr>
             <a:lvl5pPr marL="1828800" indent="0">
               <a:buNone/>
-              <a:defRPr sz="1000"/>
+              <a:defRPr sz="900"/>
             </a:lvl5pPr>
             <a:lvl6pPr marL="2286000" indent="0">
               <a:buNone/>
-              <a:defRPr sz="1000"/>
+              <a:defRPr sz="900"/>
             </a:lvl6pPr>
             <a:lvl7pPr marL="2743200" indent="0">
               <a:buNone/>
-              <a:defRPr sz="1000"/>
+              <a:defRPr sz="900"/>
             </a:lvl7pPr>
             <a:lvl8pPr marL="3200400" indent="0">
               <a:buNone/>
-              <a:defRPr sz="1000"/>
+              <a:defRPr sz="900"/>
             </a:lvl8pPr>
             <a:lvl9pPr marL="3657600" indent="0">
               <a:buNone/>
-              <a:defRPr sz="1000"/>
+              <a:defRPr sz="900"/>
             </a:lvl9pPr>
           </a:lstStyle>
           <a:p>
@@ -2361,13 +2372,7 @@
       </p:sp>
       <p:sp>
         <p:nvSpPr>
-          <p:cNvPr id="5" name="Date Placeholder 4">
-            <a:extLst>
-              <a:ext uri="{FF2B5EF4-FFF2-40B4-BE49-F238E27FC236}">
-                <a16:creationId xmlns:a16="http://schemas.microsoft.com/office/drawing/2014/main" id="{633B270B-E3E0-4FF8-8019-75287B1930FA}"/>
-              </a:ext>
-            </a:extLst>
-          </p:cNvPr>
+          <p:cNvPr id="5" name="Date Placeholder 4"/>
           <p:cNvSpPr>
             <a:spLocks noGrp="1"/>
           </p:cNvSpPr>
@@ -2390,13 +2395,7 @@
       </p:sp>
       <p:sp>
         <p:nvSpPr>
-          <p:cNvPr id="6" name="Footer Placeholder 5">
-            <a:extLst>
-              <a:ext uri="{FF2B5EF4-FFF2-40B4-BE49-F238E27FC236}">
-                <a16:creationId xmlns:a16="http://schemas.microsoft.com/office/drawing/2014/main" id="{D3BBF6D6-9404-4527-912F-4E69294BFBBA}"/>
-              </a:ext>
-            </a:extLst>
-          </p:cNvPr>
+          <p:cNvPr id="6" name="Footer Placeholder 5"/>
           <p:cNvSpPr>
             <a:spLocks noGrp="1"/>
           </p:cNvSpPr>
@@ -2415,13 +2414,7 @@
       </p:sp>
       <p:sp>
         <p:nvSpPr>
-          <p:cNvPr id="7" name="Slide Number Placeholder 6">
-            <a:extLst>
-              <a:ext uri="{FF2B5EF4-FFF2-40B4-BE49-F238E27FC236}">
-                <a16:creationId xmlns:a16="http://schemas.microsoft.com/office/drawing/2014/main" id="{0338CE52-524F-415B-B5E2-1D2E811F83C2}"/>
-              </a:ext>
-            </a:extLst>
-          </p:cNvPr>
+          <p:cNvPr id="7" name="Slide Number Placeholder 6"/>
           <p:cNvSpPr>
             <a:spLocks noGrp="1"/>
           </p:cNvSpPr>
@@ -2445,7 +2438,7 @@
     </p:spTree>
     <p:extLst>
       <p:ext uri="{BB962C8B-B14F-4D97-AF65-F5344CB8AC3E}">
-        <p14:creationId xmlns:p14="http://schemas.microsoft.com/office/powerpoint/2010/main" val="3124980403"/>
+        <p14:creationId xmlns:p14="http://schemas.microsoft.com/office/powerpoint/2010/main" val="822064430"/>
       </p:ext>
     </p:extLst>
   </p:cSld>
@@ -2474,69 +2467,61 @@
       </p:grpSpPr>
       <p:sp>
         <p:nvSpPr>
-          <p:cNvPr id="2" name="Title 1">
-            <a:extLst>
-              <a:ext uri="{FF2B5EF4-FFF2-40B4-BE49-F238E27FC236}">
-                <a16:creationId xmlns:a16="http://schemas.microsoft.com/office/drawing/2014/main" id="{9AB276F2-4EAD-402D-8750-90D5BF9266CB}"/>
-              </a:ext>
-            </a:extLst>
-          </p:cNvPr>
+          <p:cNvPr id="8" name="Title 7"/>
           <p:cNvSpPr>
             <a:spLocks noGrp="1"/>
           </p:cNvSpPr>
           <p:nvPr>
             <p:ph type="title"/>
+          </p:nvPr>
+        </p:nvSpPr>
+        <p:spPr/>
+        <p:txBody>
+          <a:bodyPr/>
+          <a:lstStyle/>
+          <a:p>
+            <a:r>
+              <a:rPr lang="en-US"/>
+              <a:t>Click to edit Master title style</a:t>
+            </a:r>
+            <a:endParaRPr lang="en-US" dirty="0"/>
+          </a:p>
+        </p:txBody>
+      </p:sp>
+      <p:sp>
+        <p:nvSpPr>
+          <p:cNvPr id="3" name="Picture Placeholder 2"/>
+          <p:cNvSpPr>
+            <a:spLocks noGrp="1" noChangeAspect="1"/>
+          </p:cNvSpPr>
+          <p:nvPr>
+            <p:ph type="pic" idx="1"/>
           </p:nvPr>
         </p:nvSpPr>
         <p:spPr>
           <a:xfrm>
-            <a:off x="839788" y="457200"/>
-            <a:ext cx="3932237" cy="1600200"/>
+            <a:off x="1280160" y="2211494"/>
+            <a:ext cx="6126480" cy="3931920"/>
           </a:xfrm>
+          <a:solidFill>
+            <a:schemeClr val="tx2">
+              <a:lumMod val="60000"/>
+              <a:lumOff val="40000"/>
+            </a:schemeClr>
+          </a:solidFill>
         </p:spPr>
         <p:txBody>
-          <a:bodyPr anchor="b"/>
+          <a:bodyPr tIns="365760" anchor="t"/>
           <a:lstStyle>
-            <a:lvl1pPr>
-              <a:defRPr sz="3200"/>
-            </a:lvl1pPr>
-          </a:lstStyle>
-          <a:p>
-            <a:r>
-              <a:rPr lang="en-US"/>
-              <a:t>Click to edit Master title style</a:t>
-            </a:r>
-          </a:p>
-        </p:txBody>
-      </p:sp>
-      <p:sp>
-        <p:nvSpPr>
-          <p:cNvPr id="3" name="Picture Placeholder 2">
-            <a:extLst>
-              <a:ext uri="{FF2B5EF4-FFF2-40B4-BE49-F238E27FC236}">
-                <a16:creationId xmlns:a16="http://schemas.microsoft.com/office/drawing/2014/main" id="{A9C7015C-30A0-44EE-97D3-A3C26D48769F}"/>
-              </a:ext>
-            </a:extLst>
-          </p:cNvPr>
-          <p:cNvSpPr>
-            <a:spLocks noGrp="1"/>
-          </p:cNvSpPr>
-          <p:nvPr>
-            <p:ph type="pic" idx="1"/>
-          </p:nvPr>
-        </p:nvSpPr>
-        <p:spPr>
-          <a:xfrm>
-            <a:off x="5183188" y="987425"/>
-            <a:ext cx="6172200" cy="4873625"/>
-          </a:xfrm>
-        </p:spPr>
-        <p:txBody>
-          <a:bodyPr/>
-          <a:lstStyle>
-            <a:lvl1pPr marL="0" indent="0">
-              <a:buNone/>
-              <a:defRPr sz="3200"/>
+            <a:lvl1pPr marL="0" indent="0" algn="ctr">
+              <a:buNone/>
+              <a:defRPr sz="3200">
+                <a:solidFill>
+                  <a:schemeClr val="tx1">
+                    <a:lumMod val="50000"/>
+                  </a:schemeClr>
+                </a:solidFill>
+              </a:defRPr>
             </a:lvl1pPr>
             <a:lvl2pPr marL="457200" indent="0">
               <a:buNone/>
@@ -2572,19 +2557,17 @@
             </a:lvl9pPr>
           </a:lstStyle>
           <a:p>
-            <a:endParaRPr lang="en-US"/>
-          </a:p>
-        </p:txBody>
-      </p:sp>
-      <p:sp>
-        <p:nvSpPr>
-          <p:cNvPr id="4" name="Text Placeholder 3">
-            <a:extLst>
-              <a:ext uri="{FF2B5EF4-FFF2-40B4-BE49-F238E27FC236}">
-                <a16:creationId xmlns:a16="http://schemas.microsoft.com/office/drawing/2014/main" id="{00A81846-A4BD-49DB-88AD-11F4ED971FC6}"/>
-              </a:ext>
-            </a:extLst>
-          </p:cNvPr>
+            <a:r>
+              <a:rPr lang="en-US"/>
+              <a:t>Click icon to add picture</a:t>
+            </a:r>
+            <a:endParaRPr lang="en-US" dirty="0"/>
+          </a:p>
+        </p:txBody>
+      </p:sp>
+      <p:sp>
+        <p:nvSpPr>
+          <p:cNvPr id="4" name="Text Placeholder 3"/>
           <p:cNvSpPr>
             <a:spLocks noGrp="1"/>
           </p:cNvSpPr>
@@ -2594,48 +2577,53 @@
         </p:nvSpPr>
         <p:spPr>
           <a:xfrm>
-            <a:off x="839788" y="2057400"/>
-            <a:ext cx="3932237" cy="3811588"/>
+            <a:off x="7790688" y="2150621"/>
+            <a:ext cx="3200400" cy="3429000"/>
           </a:xfrm>
         </p:spPr>
         <p:txBody>
-          <a:bodyPr/>
+          <a:bodyPr>
+            <a:normAutofit/>
+          </a:bodyPr>
           <a:lstStyle>
             <a:lvl1pPr marL="0" indent="0">
-              <a:buNone/>
-              <a:defRPr sz="1600"/>
+              <a:lnSpc>
+                <a:spcPct val="95000"/>
+              </a:lnSpc>
+              <a:buNone/>
+              <a:defRPr sz="1800"/>
             </a:lvl1pPr>
             <a:lvl2pPr marL="457200" indent="0">
               <a:buNone/>
-              <a:defRPr sz="1400"/>
+              <a:defRPr sz="1200"/>
             </a:lvl2pPr>
             <a:lvl3pPr marL="914400" indent="0">
               <a:buNone/>
-              <a:defRPr sz="1200"/>
+              <a:defRPr sz="1000"/>
             </a:lvl3pPr>
             <a:lvl4pPr marL="1371600" indent="0">
               <a:buNone/>
-              <a:defRPr sz="1000"/>
+              <a:defRPr sz="900"/>
             </a:lvl4pPr>
             <a:lvl5pPr marL="1828800" indent="0">
               <a:buNone/>
-              <a:defRPr sz="1000"/>
+              <a:defRPr sz="900"/>
             </a:lvl5pPr>
             <a:lvl6pPr marL="2286000" indent="0">
               <a:buNone/>
-              <a:defRPr sz="1000"/>
+              <a:defRPr sz="900"/>
             </a:lvl6pPr>
             <a:lvl7pPr marL="2743200" indent="0">
               <a:buNone/>
-              <a:defRPr sz="1000"/>
+              <a:defRPr sz="900"/>
             </a:lvl7pPr>
             <a:lvl8pPr marL="3200400" indent="0">
               <a:buNone/>
-              <a:defRPr sz="1000"/>
+              <a:defRPr sz="900"/>
             </a:lvl8pPr>
             <a:lvl9pPr marL="3657600" indent="0">
               <a:buNone/>
-              <a:defRPr sz="1000"/>
+              <a:defRPr sz="900"/>
             </a:lvl9pPr>
           </a:lstStyle>
           <a:p>
@@ -2649,13 +2637,7 @@
       </p:sp>
       <p:sp>
         <p:nvSpPr>
-          <p:cNvPr id="5" name="Date Placeholder 4">
-            <a:extLst>
-              <a:ext uri="{FF2B5EF4-FFF2-40B4-BE49-F238E27FC236}">
-                <a16:creationId xmlns:a16="http://schemas.microsoft.com/office/drawing/2014/main" id="{AA974675-6E0D-4B0B-9DB5-7F739A7EA55A}"/>
-              </a:ext>
-            </a:extLst>
-          </p:cNvPr>
+          <p:cNvPr id="5" name="Date Placeholder 4"/>
           <p:cNvSpPr>
             <a:spLocks noGrp="1"/>
           </p:cNvSpPr>
@@ -2678,13 +2660,7 @@
       </p:sp>
       <p:sp>
         <p:nvSpPr>
-          <p:cNvPr id="6" name="Footer Placeholder 5">
-            <a:extLst>
-              <a:ext uri="{FF2B5EF4-FFF2-40B4-BE49-F238E27FC236}">
-                <a16:creationId xmlns:a16="http://schemas.microsoft.com/office/drawing/2014/main" id="{EF7F6361-DFE3-4727-B955-9ADE6692207E}"/>
-              </a:ext>
-            </a:extLst>
-          </p:cNvPr>
+          <p:cNvPr id="6" name="Footer Placeholder 5"/>
           <p:cNvSpPr>
             <a:spLocks noGrp="1"/>
           </p:cNvSpPr>
@@ -2703,13 +2679,7 @@
       </p:sp>
       <p:sp>
         <p:nvSpPr>
-          <p:cNvPr id="7" name="Slide Number Placeholder 6">
-            <a:extLst>
-              <a:ext uri="{FF2B5EF4-FFF2-40B4-BE49-F238E27FC236}">
-                <a16:creationId xmlns:a16="http://schemas.microsoft.com/office/drawing/2014/main" id="{A8653636-D521-4680-8B5A-DA25B5741F34}"/>
-              </a:ext>
-            </a:extLst>
-          </p:cNvPr>
+          <p:cNvPr id="7" name="Slide Number Placeholder 6"/>
           <p:cNvSpPr>
             <a:spLocks noGrp="1"/>
           </p:cNvSpPr>
@@ -2733,7 +2703,7 @@
     </p:spTree>
     <p:extLst>
       <p:ext uri="{BB962C8B-B14F-4D97-AF65-F5344CB8AC3E}">
-        <p14:creationId xmlns:p14="http://schemas.microsoft.com/office/powerpoint/2010/main" val="3105135474"/>
+        <p14:creationId xmlns:p14="http://schemas.microsoft.com/office/powerpoint/2010/main" val="2562000903"/>
       </p:ext>
     </p:extLst>
   </p:cSld>
@@ -2748,7 +2718,7 @@
   <p:cSld>
     <p:bg>
       <p:bgRef idx="1001">
-        <a:schemeClr val="bg1"/>
+        <a:schemeClr val="bg2"/>
       </p:bgRef>
     </p:bg>
     <p:spTree>
@@ -2767,24 +2737,56 @@
       </p:grpSpPr>
       <p:sp>
         <p:nvSpPr>
-          <p:cNvPr id="2" name="Title Placeholder 1">
-            <a:extLst>
-              <a:ext uri="{FF2B5EF4-FFF2-40B4-BE49-F238E27FC236}">
-                <a16:creationId xmlns:a16="http://schemas.microsoft.com/office/drawing/2014/main" id="{381215ED-BE2F-4D82-86F3-566E92724F11}"/>
-              </a:ext>
-            </a:extLst>
-          </p:cNvPr>
-          <p:cNvSpPr>
-            <a:spLocks noGrp="1"/>
-          </p:cNvSpPr>
-          <p:nvPr>
-            <p:ph type="title"/>
-          </p:nvPr>
+          <p:cNvPr id="7" name="Rectangle 6"/>
+          <p:cNvSpPr/>
+          <p:nvPr/>
         </p:nvSpPr>
         <p:spPr>
           <a:xfrm>
-            <a:off x="838200" y="365125"/>
-            <a:ext cx="10515600" cy="1325563"/>
+            <a:off x="483" y="176109"/>
+            <a:ext cx="12188952" cy="1645919"/>
+          </a:xfrm>
+          <a:prstGeom prst="rect">
+            <a:avLst/>
+          </a:prstGeom>
+          <a:solidFill>
+            <a:schemeClr val="tx1"/>
+          </a:solidFill>
+          <a:ln>
+            <a:noFill/>
+          </a:ln>
+        </p:spPr>
+        <p:style>
+          <a:lnRef idx="2">
+            <a:schemeClr val="accent1">
+              <a:shade val="50000"/>
+            </a:schemeClr>
+          </a:lnRef>
+          <a:fillRef idx="1">
+            <a:schemeClr val="accent1"/>
+          </a:fillRef>
+          <a:effectRef idx="0">
+            <a:schemeClr val="accent1"/>
+          </a:effectRef>
+          <a:fontRef idx="minor">
+            <a:schemeClr val="lt1"/>
+          </a:fontRef>
+        </p:style>
+      </p:sp>
+      <p:sp>
+        <p:nvSpPr>
+          <p:cNvPr id="2" name="Title Placeholder 1"/>
+          <p:cNvSpPr>
+            <a:spLocks noGrp="1"/>
+          </p:cNvSpPr>
+          <p:nvPr>
+            <p:ph type="title"/>
+          </p:nvPr>
+        </p:nvSpPr>
+        <p:spPr>
+          <a:xfrm>
+            <a:off x="1202919" y="284176"/>
+            <a:ext cx="9784080" cy="1508760"/>
           </a:xfrm>
           <a:prstGeom prst="rect">
             <a:avLst/>
@@ -2800,18 +2802,13 @@
               <a:rPr lang="en-US"/>
               <a:t>Click to edit Master title style</a:t>
             </a:r>
-          </a:p>
-        </p:txBody>
-      </p:sp>
-      <p:sp>
-        <p:nvSpPr>
-          <p:cNvPr id="3" name="Text Placeholder 2">
-            <a:extLst>
-              <a:ext uri="{FF2B5EF4-FFF2-40B4-BE49-F238E27FC236}">
-                <a16:creationId xmlns:a16="http://schemas.microsoft.com/office/drawing/2014/main" id="{0902F554-51E8-427B-9DC6-AC7BAAA5CFCD}"/>
-              </a:ext>
-            </a:extLst>
-          </p:cNvPr>
+            <a:endParaRPr lang="en-US" dirty="0"/>
+          </a:p>
+        </p:txBody>
+      </p:sp>
+      <p:sp>
+        <p:nvSpPr>
+          <p:cNvPr id="3" name="Text Placeholder 2"/>
           <p:cNvSpPr>
             <a:spLocks noGrp="1"/>
           </p:cNvSpPr>
@@ -2821,8 +2818,8 @@
         </p:nvSpPr>
         <p:spPr>
           <a:xfrm>
-            <a:off x="838200" y="1825625"/>
-            <a:ext cx="10515600" cy="4351338"/>
+            <a:off x="1202919" y="2011680"/>
+            <a:ext cx="9784080" cy="4206240"/>
           </a:xfrm>
           <a:prstGeom prst="rect">
             <a:avLst/>
@@ -2867,18 +2864,13 @@
               <a:rPr lang="en-US"/>
               <a:t>Fifth level</a:t>
             </a:r>
-          </a:p>
-        </p:txBody>
-      </p:sp>
-      <p:sp>
-        <p:nvSpPr>
-          <p:cNvPr id="4" name="Date Placeholder 3">
-            <a:extLst>
-              <a:ext uri="{FF2B5EF4-FFF2-40B4-BE49-F238E27FC236}">
-                <a16:creationId xmlns:a16="http://schemas.microsoft.com/office/drawing/2014/main" id="{77D03336-E7FB-41AE-A67F-001950FC3B80}"/>
-              </a:ext>
-            </a:extLst>
-          </p:cNvPr>
+            <a:endParaRPr lang="en-US" dirty="0"/>
+          </a:p>
+        </p:txBody>
+      </p:sp>
+      <p:sp>
+        <p:nvSpPr>
+          <p:cNvPr id="4" name="Date Placeholder 3"/>
           <p:cNvSpPr>
             <a:spLocks noGrp="1"/>
           </p:cNvSpPr>
@@ -2888,22 +2880,20 @@
         </p:nvSpPr>
         <p:spPr>
           <a:xfrm>
-            <a:off x="838200" y="6356350"/>
-            <a:ext cx="2743200" cy="365125"/>
+            <a:off x="1202266" y="6422854"/>
+            <a:ext cx="3000894" cy="365125"/>
           </a:xfrm>
           <a:prstGeom prst="rect">
             <a:avLst/>
           </a:prstGeom>
         </p:spPr>
         <p:txBody>
-          <a:bodyPr vert="horz" lIns="91440" tIns="45720" rIns="91440" bIns="45720" rtlCol="0" anchor="ctr"/>
+          <a:bodyPr vert="horz" lIns="91440" tIns="45720" rIns="45720" bIns="45720" rtlCol="0" anchor="ctr"/>
           <a:lstStyle>
             <a:lvl1pPr algn="l">
-              <a:defRPr sz="1200">
+              <a:defRPr sz="1050">
                 <a:solidFill>
-                  <a:schemeClr val="tx1">
-                    <a:tint val="75000"/>
-                  </a:schemeClr>
+                  <a:schemeClr val="tx1"/>
                 </a:solidFill>
               </a:defRPr>
             </a:lvl1pPr>
@@ -2919,13 +2909,7 @@
       </p:sp>
       <p:sp>
         <p:nvSpPr>
-          <p:cNvPr id="5" name="Footer Placeholder 4">
-            <a:extLst>
-              <a:ext uri="{FF2B5EF4-FFF2-40B4-BE49-F238E27FC236}">
-                <a16:creationId xmlns:a16="http://schemas.microsoft.com/office/drawing/2014/main" id="{745143D9-F280-4A8C-A66C-B79047A5F7F5}"/>
-              </a:ext>
-            </a:extLst>
-          </p:cNvPr>
+          <p:cNvPr id="5" name="Footer Placeholder 4"/>
           <p:cNvSpPr>
             <a:spLocks noGrp="1"/>
           </p:cNvSpPr>
@@ -2935,8 +2919,8 @@
         </p:nvSpPr>
         <p:spPr>
           <a:xfrm>
-            <a:off x="4038600" y="6356350"/>
-            <a:ext cx="4114800" cy="365125"/>
+            <a:off x="5596471" y="6422854"/>
+            <a:ext cx="5044440" cy="365125"/>
           </a:xfrm>
           <a:prstGeom prst="rect">
             <a:avLst/>
@@ -2945,12 +2929,10 @@
         <p:txBody>
           <a:bodyPr vert="horz" lIns="91440" tIns="45720" rIns="91440" bIns="45720" rtlCol="0" anchor="ctr"/>
           <a:lstStyle>
-            <a:lvl1pPr algn="ctr">
-              <a:defRPr sz="1200">
+            <a:lvl1pPr algn="r">
+              <a:defRPr sz="1050">
                 <a:solidFill>
-                  <a:schemeClr val="tx1">
-                    <a:tint val="75000"/>
-                  </a:schemeClr>
+                  <a:schemeClr val="tx1"/>
                 </a:solidFill>
               </a:defRPr>
             </a:lvl1pPr>
@@ -2962,13 +2944,7 @@
       </p:sp>
       <p:sp>
         <p:nvSpPr>
-          <p:cNvPr id="6" name="Slide Number Placeholder 5">
-            <a:extLst>
-              <a:ext uri="{FF2B5EF4-FFF2-40B4-BE49-F238E27FC236}">
-                <a16:creationId xmlns:a16="http://schemas.microsoft.com/office/drawing/2014/main" id="{61142F5A-01B0-4546-82AF-813D0950EC2E}"/>
-              </a:ext>
-            </a:extLst>
-          </p:cNvPr>
+          <p:cNvPr id="6" name="Slide Number Placeholder 5"/>
           <p:cNvSpPr>
             <a:spLocks noGrp="1"/>
           </p:cNvSpPr>
@@ -2978,22 +2954,20 @@
         </p:nvSpPr>
         <p:spPr>
           <a:xfrm>
-            <a:off x="8610600" y="6356350"/>
-            <a:ext cx="2743200" cy="365125"/>
+            <a:off x="10658927" y="6422854"/>
+            <a:ext cx="946264" cy="365125"/>
           </a:xfrm>
           <a:prstGeom prst="rect">
             <a:avLst/>
           </a:prstGeom>
         </p:spPr>
         <p:txBody>
-          <a:bodyPr vert="horz" lIns="91440" tIns="45720" rIns="91440" bIns="45720" rtlCol="0" anchor="ctr"/>
+          <a:bodyPr vert="horz" lIns="45720" tIns="45720" rIns="91440" bIns="45720" rtlCol="0" anchor="ctr"/>
           <a:lstStyle>
-            <a:lvl1pPr algn="r">
-              <a:defRPr sz="1200">
+            <a:lvl1pPr algn="l">
+              <a:defRPr sz="1200" b="0">
                 <a:solidFill>
-                  <a:schemeClr val="tx1">
-                    <a:tint val="75000"/>
-                  </a:schemeClr>
+                  <a:schemeClr val="tx1"/>
                 </a:solidFill>
               </a:defRPr>
             </a:lvl1pPr>
@@ -3010,37 +2984,37 @@
     </p:spTree>
     <p:extLst>
       <p:ext uri="{BB962C8B-B14F-4D97-AF65-F5344CB8AC3E}">
-        <p14:creationId xmlns:p14="http://schemas.microsoft.com/office/powerpoint/2010/main" val="3097471230"/>
+        <p14:creationId xmlns:p14="http://schemas.microsoft.com/office/powerpoint/2010/main" val="2840598246"/>
       </p:ext>
     </p:extLst>
   </p:cSld>
-  <p:clrMap bg1="lt1" tx1="dk1" bg2="lt2" tx2="dk2" accent1="accent1" accent2="accent2" accent3="accent3" accent4="accent4" accent5="accent5" accent6="accent6" hlink="hlink" folHlink="folHlink"/>
+  <p:clrMap bg1="dk1" tx1="lt1" bg2="dk2" tx2="lt2" accent1="accent1" accent2="accent2" accent3="accent3" accent4="accent4" accent5="accent5" accent6="accent6" hlink="hlink" folHlink="folHlink"/>
   <p:sldLayoutIdLst>
-    <p:sldLayoutId id="2147483649" r:id="rId1"/>
-    <p:sldLayoutId id="2147483650" r:id="rId2"/>
-    <p:sldLayoutId id="2147483651" r:id="rId3"/>
-    <p:sldLayoutId id="2147483652" r:id="rId4"/>
-    <p:sldLayoutId id="2147483653" r:id="rId5"/>
-    <p:sldLayoutId id="2147483654" r:id="rId6"/>
-    <p:sldLayoutId id="2147483655" r:id="rId7"/>
-    <p:sldLayoutId id="2147483656" r:id="rId8"/>
-    <p:sldLayoutId id="2147483657" r:id="rId9"/>
-    <p:sldLayoutId id="2147483658" r:id="rId10"/>
-    <p:sldLayoutId id="2147483659" r:id="rId11"/>
+    <p:sldLayoutId id="2147483697" r:id="rId1"/>
+    <p:sldLayoutId id="2147483698" r:id="rId2"/>
+    <p:sldLayoutId id="2147483699" r:id="rId3"/>
+    <p:sldLayoutId id="2147483700" r:id="rId4"/>
+    <p:sldLayoutId id="2147483701" r:id="rId5"/>
+    <p:sldLayoutId id="2147483702" r:id="rId6"/>
+    <p:sldLayoutId id="2147483703" r:id="rId7"/>
+    <p:sldLayoutId id="2147483704" r:id="rId8"/>
+    <p:sldLayoutId id="2147483705" r:id="rId9"/>
+    <p:sldLayoutId id="2147483706" r:id="rId10"/>
+    <p:sldLayoutId id="2147483707" r:id="rId11"/>
   </p:sldLayoutIdLst>
   <p:txStyles>
     <p:titleStyle>
       <a:lvl1pPr algn="l" defTabSz="914400" rtl="0" eaLnBrk="1" latinLnBrk="0" hangingPunct="1">
         <a:lnSpc>
-          <a:spcPct val="90000"/>
+          <a:spcPct val="85000"/>
         </a:lnSpc>
         <a:spcBef>
           <a:spcPct val="0"/>
         </a:spcBef>
         <a:buNone/>
-        <a:defRPr sz="4400" kern="1200">
+        <a:defRPr sz="4000" kern="1200" cap="all" baseline="0">
           <a:solidFill>
-            <a:schemeClr val="tx1"/>
+            <a:schemeClr val="bg2"/>
           </a:solidFill>
           <a:latin typeface="+mj-lt"/>
           <a:ea typeface="+mj-ea"/>
@@ -3049,16 +3023,22 @@
       </a:lvl1pPr>
     </p:titleStyle>
     <p:bodyStyle>
-      <a:lvl1pPr marL="228600" indent="-228600" algn="l" defTabSz="914400" rtl="0" eaLnBrk="1" latinLnBrk="0" hangingPunct="1">
+      <a:lvl1pPr marL="182880" indent="-182880" algn="l" defTabSz="914400" rtl="0" eaLnBrk="1" latinLnBrk="0" hangingPunct="1">
         <a:lnSpc>
           <a:spcPct val="90000"/>
         </a:lnSpc>
         <a:spcBef>
-          <a:spcPts val="1000"/>
+          <a:spcPts val="1200"/>
         </a:spcBef>
-        <a:buFont typeface="Arial" panose="020B0604020202020204" pitchFamily="34" charset="0"/>
-        <a:buChar char="•"/>
-        <a:defRPr sz="2800" kern="1200">
+        <a:spcAft>
+          <a:spcPts val="200"/>
+        </a:spcAft>
+        <a:buClr>
+          <a:schemeClr val="tx1"/>
+        </a:buClr>
+        <a:buFont typeface="Wingdings" pitchFamily="2" charset="2"/>
+        <a:buChar char=""/>
+        <a:defRPr sz="2200" kern="1200">
           <a:solidFill>
             <a:schemeClr val="tx1"/>
           </a:solidFill>
@@ -3067,16 +3047,22 @@
           <a:cs typeface="+mn-cs"/>
         </a:defRPr>
       </a:lvl1pPr>
-      <a:lvl2pPr marL="685800" indent="-228600" algn="l" defTabSz="914400" rtl="0" eaLnBrk="1" latinLnBrk="0" hangingPunct="1">
+      <a:lvl2pPr marL="411480" indent="-182880" algn="l" defTabSz="914400" rtl="0" eaLnBrk="1" latinLnBrk="0" hangingPunct="1">
         <a:lnSpc>
           <a:spcPct val="90000"/>
         </a:lnSpc>
         <a:spcBef>
-          <a:spcPts val="500"/>
+          <a:spcPts val="200"/>
         </a:spcBef>
-        <a:buFont typeface="Arial" panose="020B0604020202020204" pitchFamily="34" charset="0"/>
-        <a:buChar char="•"/>
-        <a:defRPr sz="2400" kern="1200">
+        <a:spcAft>
+          <a:spcPts val="400"/>
+        </a:spcAft>
+        <a:buClr>
+          <a:schemeClr val="tx1"/>
+        </a:buClr>
+        <a:buFont typeface="Wingdings" pitchFamily="2" charset="2"/>
+        <a:buChar char=""/>
+        <a:defRPr sz="2000" kern="1200">
           <a:solidFill>
             <a:schemeClr val="tx1"/>
           </a:solidFill>
@@ -3085,16 +3071,22 @@
           <a:cs typeface="+mn-cs"/>
         </a:defRPr>
       </a:lvl2pPr>
-      <a:lvl3pPr marL="1143000" indent="-228600" algn="l" defTabSz="914400" rtl="0" eaLnBrk="1" latinLnBrk="0" hangingPunct="1">
+      <a:lvl3pPr marL="640080" indent="-182880" algn="l" defTabSz="914400" rtl="0" eaLnBrk="1" latinLnBrk="0" hangingPunct="1">
         <a:lnSpc>
           <a:spcPct val="90000"/>
         </a:lnSpc>
         <a:spcBef>
-          <a:spcPts val="500"/>
+          <a:spcPts val="200"/>
         </a:spcBef>
-        <a:buFont typeface="Arial" panose="020B0604020202020204" pitchFamily="34" charset="0"/>
-        <a:buChar char="•"/>
-        <a:defRPr sz="2000" kern="1200">
+        <a:spcAft>
+          <a:spcPts val="400"/>
+        </a:spcAft>
+        <a:buClr>
+          <a:schemeClr val="tx1"/>
+        </a:buClr>
+        <a:buFont typeface="Wingdings" pitchFamily="2" charset="2"/>
+        <a:buChar char=""/>
+        <a:defRPr sz="1800" kern="1200">
           <a:solidFill>
             <a:schemeClr val="tx1"/>
           </a:solidFill>
@@ -3103,16 +3095,22 @@
           <a:cs typeface="+mn-cs"/>
         </a:defRPr>
       </a:lvl3pPr>
-      <a:lvl4pPr marL="1600200" indent="-228600" algn="l" defTabSz="914400" rtl="0" eaLnBrk="1" latinLnBrk="0" hangingPunct="1">
+      <a:lvl4pPr marL="868680" indent="-182880" algn="l" defTabSz="914400" rtl="0" eaLnBrk="1" latinLnBrk="0" hangingPunct="1">
         <a:lnSpc>
           <a:spcPct val="90000"/>
         </a:lnSpc>
         <a:spcBef>
-          <a:spcPts val="500"/>
+          <a:spcPts val="200"/>
         </a:spcBef>
-        <a:buFont typeface="Arial" panose="020B0604020202020204" pitchFamily="34" charset="0"/>
-        <a:buChar char="•"/>
-        <a:defRPr sz="1800" kern="1200">
+        <a:spcAft>
+          <a:spcPts val="400"/>
+        </a:spcAft>
+        <a:buClr>
+          <a:schemeClr val="tx1"/>
+        </a:buClr>
+        <a:buFont typeface="Wingdings" pitchFamily="2" charset="2"/>
+        <a:buChar char=""/>
+        <a:defRPr sz="1600" kern="1200">
           <a:solidFill>
             <a:schemeClr val="tx1"/>
           </a:solidFill>
@@ -3121,16 +3119,22 @@
           <a:cs typeface="+mn-cs"/>
         </a:defRPr>
       </a:lvl4pPr>
-      <a:lvl5pPr marL="2057400" indent="-228600" algn="l" defTabSz="914400" rtl="0" eaLnBrk="1" latinLnBrk="0" hangingPunct="1">
+      <a:lvl5pPr marL="1097280" indent="-182880" algn="l" defTabSz="914400" rtl="0" eaLnBrk="1" latinLnBrk="0" hangingPunct="1">
         <a:lnSpc>
           <a:spcPct val="90000"/>
         </a:lnSpc>
         <a:spcBef>
-          <a:spcPts val="500"/>
+          <a:spcPts val="200"/>
         </a:spcBef>
-        <a:buFont typeface="Arial" panose="020B0604020202020204" pitchFamily="34" charset="0"/>
-        <a:buChar char="•"/>
-        <a:defRPr sz="1800" kern="1200">
+        <a:spcAft>
+          <a:spcPts val="400"/>
+        </a:spcAft>
+        <a:buClr>
+          <a:schemeClr val="tx1"/>
+        </a:buClr>
+        <a:buFont typeface="Wingdings" pitchFamily="2" charset="2"/>
+        <a:buChar char=""/>
+        <a:defRPr sz="1600" kern="1200">
           <a:solidFill>
             <a:schemeClr val="tx1"/>
           </a:solidFill>
@@ -3139,16 +3143,22 @@
           <a:cs typeface="+mn-cs"/>
         </a:defRPr>
       </a:lvl5pPr>
-      <a:lvl6pPr marL="2514600" indent="-228600" algn="l" defTabSz="914400" rtl="0" eaLnBrk="1" latinLnBrk="0" hangingPunct="1">
+      <a:lvl6pPr marL="1284600" indent="-228600" algn="l" defTabSz="914400" rtl="0" eaLnBrk="1" latinLnBrk="0" hangingPunct="1">
         <a:lnSpc>
           <a:spcPct val="90000"/>
         </a:lnSpc>
         <a:spcBef>
-          <a:spcPts val="500"/>
+          <a:spcPts val="200"/>
         </a:spcBef>
-        <a:buFont typeface="Arial" panose="020B0604020202020204" pitchFamily="34" charset="0"/>
-        <a:buChar char="•"/>
-        <a:defRPr sz="1800" kern="1200">
+        <a:spcAft>
+          <a:spcPts val="400"/>
+        </a:spcAft>
+        <a:buClr>
+          <a:schemeClr val="tx1"/>
+        </a:buClr>
+        <a:buFont typeface="Wingdings" pitchFamily="2" charset="2"/>
+        <a:buChar char=""/>
+        <a:defRPr sz="1600" kern="1200">
           <a:solidFill>
             <a:schemeClr val="tx1"/>
           </a:solidFill>
@@ -3157,16 +3167,22 @@
           <a:cs typeface="+mn-cs"/>
         </a:defRPr>
       </a:lvl6pPr>
-      <a:lvl7pPr marL="2971800" indent="-228600" algn="l" defTabSz="914400" rtl="0" eaLnBrk="1" latinLnBrk="0" hangingPunct="1">
+      <a:lvl7pPr marL="1471800" indent="-228600" algn="l" defTabSz="914400" rtl="0" eaLnBrk="1" latinLnBrk="0" hangingPunct="1">
         <a:lnSpc>
           <a:spcPct val="90000"/>
         </a:lnSpc>
         <a:spcBef>
-          <a:spcPts val="500"/>
+          <a:spcPts val="200"/>
         </a:spcBef>
-        <a:buFont typeface="Arial" panose="020B0604020202020204" pitchFamily="34" charset="0"/>
-        <a:buChar char="•"/>
-        <a:defRPr sz="1800" kern="1200">
+        <a:spcAft>
+          <a:spcPts val="400"/>
+        </a:spcAft>
+        <a:buClr>
+          <a:schemeClr val="tx1"/>
+        </a:buClr>
+        <a:buFont typeface="Wingdings" pitchFamily="2" charset="2"/>
+        <a:buChar char=""/>
+        <a:defRPr sz="1600" kern="1200">
           <a:solidFill>
             <a:schemeClr val="tx1"/>
           </a:solidFill>
@@ -3175,16 +3191,22 @@
           <a:cs typeface="+mn-cs"/>
         </a:defRPr>
       </a:lvl7pPr>
-      <a:lvl8pPr marL="3429000" indent="-228600" algn="l" defTabSz="914400" rtl="0" eaLnBrk="1" latinLnBrk="0" hangingPunct="1">
+      <a:lvl8pPr marL="1629000" indent="-228600" algn="l" defTabSz="914400" rtl="0" eaLnBrk="1" latinLnBrk="0" hangingPunct="1">
         <a:lnSpc>
           <a:spcPct val="90000"/>
         </a:lnSpc>
         <a:spcBef>
-          <a:spcPts val="500"/>
+          <a:spcPts val="200"/>
         </a:spcBef>
-        <a:buFont typeface="Arial" panose="020B0604020202020204" pitchFamily="34" charset="0"/>
-        <a:buChar char="•"/>
-        <a:defRPr sz="1800" kern="1200">
+        <a:spcAft>
+          <a:spcPts val="400"/>
+        </a:spcAft>
+        <a:buClr>
+          <a:schemeClr val="tx1"/>
+        </a:buClr>
+        <a:buFont typeface="Wingdings" pitchFamily="2" charset="2"/>
+        <a:buChar char=""/>
+        <a:defRPr sz="1600" kern="1200">
           <a:solidFill>
             <a:schemeClr val="tx1"/>
           </a:solidFill>
@@ -3193,16 +3215,22 @@
           <a:cs typeface="+mn-cs"/>
         </a:defRPr>
       </a:lvl8pPr>
-      <a:lvl9pPr marL="3886200" indent="-228600" algn="l" defTabSz="914400" rtl="0" eaLnBrk="1" latinLnBrk="0" hangingPunct="1">
+      <a:lvl9pPr marL="1806200" indent="-228600" algn="l" defTabSz="914400" rtl="0" eaLnBrk="1" latinLnBrk="0" hangingPunct="1">
         <a:lnSpc>
           <a:spcPct val="90000"/>
         </a:lnSpc>
         <a:spcBef>
-          <a:spcPts val="500"/>
+          <a:spcPts val="200"/>
         </a:spcBef>
-        <a:buFont typeface="Arial" panose="020B0604020202020204" pitchFamily="34" charset="0"/>
-        <a:buChar char="•"/>
-        <a:defRPr sz="1800" kern="1200">
+        <a:spcAft>
+          <a:spcPts val="400"/>
+        </a:spcAft>
+        <a:buClr>
+          <a:schemeClr val="tx1"/>
+        </a:buClr>
+        <a:buFont typeface="Wingdings" pitchFamily="2" charset="2"/>
+        <a:buChar char=""/>
+        <a:defRPr sz="1600" kern="1200">
           <a:solidFill>
             <a:schemeClr val="tx1"/>
           </a:solidFill>
@@ -3350,10 +3378,9 @@
           <a:lstStyle/>
           <a:p>
             <a:r>
-              <a:rPr lang="en-US" dirty="0" err="1"/>
+              <a:rPr lang="en-US" dirty="0"/>
               <a:t>Mazerunner</a:t>
             </a:r>
-            <a:endParaRPr lang="en-US" dirty="0"/>
           </a:p>
         </p:txBody>
       </p:sp>
@@ -3541,6 +3568,11 @@
           <a:prstGeom prst="rect">
             <a:avLst/>
           </a:prstGeom>
+          <a:ln w="28575">
+            <a:solidFill>
+              <a:schemeClr val="bg1"/>
+            </a:solidFill>
+          </a:ln>
         </p:spPr>
       </p:pic>
     </p:spTree>
@@ -3688,6 +3720,13 @@
           <a:prstGeom prst="rect">
             <a:avLst/>
           </a:prstGeom>
+          <a:effectLst>
+            <a:outerShdw blurRad="50800" dist="38100" dir="2700000" algn="tl" rotWithShape="0">
+              <a:prstClr val="black">
+                <a:alpha val="40000"/>
+              </a:prstClr>
+            </a:outerShdw>
+          </a:effectLst>
         </p:spPr>
       </p:pic>
       <p:pic>
@@ -3721,12 +3760,19 @@
         </p:blipFill>
         <p:spPr>
           <a:xfrm>
-            <a:off x="245170" y="2271097"/>
-            <a:ext cx="413735" cy="413735"/>
+            <a:off x="213432" y="2271097"/>
+            <a:ext cx="450588" cy="450588"/>
           </a:xfrm>
           <a:prstGeom prst="rect">
             <a:avLst/>
           </a:prstGeom>
+          <a:effectLst>
+            <a:outerShdw blurRad="50800" dist="38100" dir="2700000" algn="tl" rotWithShape="0">
+              <a:prstClr val="black">
+                <a:alpha val="40000"/>
+              </a:prstClr>
+            </a:outerShdw>
+          </a:effectLst>
         </p:spPr>
       </p:pic>
       <p:pic>
@@ -3766,6 +3812,13 @@
           <a:prstGeom prst="rect">
             <a:avLst/>
           </a:prstGeom>
+          <a:effectLst>
+            <a:outerShdw blurRad="50800" dist="38100" dir="2700000" algn="tl" rotWithShape="0">
+              <a:prstClr val="black">
+                <a:alpha val="40000"/>
+              </a:prstClr>
+            </a:outerShdw>
+          </a:effectLst>
         </p:spPr>
       </p:pic>
       <p:pic>
@@ -3805,6 +3858,13 @@
           <a:prstGeom prst="rect">
             <a:avLst/>
           </a:prstGeom>
+          <a:effectLst>
+            <a:outerShdw blurRad="50800" dist="38100" dir="2700000" algn="tl" rotWithShape="0">
+              <a:prstClr val="black">
+                <a:alpha val="40000"/>
+              </a:prstClr>
+            </a:outerShdw>
+          </a:effectLst>
         </p:spPr>
       </p:pic>
     </p:spTree>
@@ -3884,7 +3944,7 @@
         <p:spPr/>
         <p:txBody>
           <a:bodyPr>
-            <a:normAutofit fontScale="77500" lnSpcReduction="20000"/>
+            <a:normAutofit fontScale="85000" lnSpcReduction="20000"/>
           </a:bodyPr>
           <a:lstStyle/>
           <a:p>
@@ -3981,7 +4041,7 @@
             </a:br>
             <a:r>
               <a:rPr lang="en-US" dirty="0"/>
-              <a:t>			Check cell;</a:t>
+              <a:t>			CheckCell;</a:t>
             </a:r>
             <a:br>
               <a:rPr lang="en-US" dirty="0"/>
@@ -4085,7 +4145,9 @@
         </p:nvSpPr>
         <p:spPr/>
         <p:txBody>
-          <a:bodyPr/>
+          <a:bodyPr>
+            <a:normAutofit/>
+          </a:bodyPr>
           <a:lstStyle/>
           <a:p>
             <a:r>
@@ -4108,15 +4170,7 @@
           <a:p>
             <a:r>
               <a:rPr lang="en-US" dirty="0"/>
-              <a:t>Pick random number (</a:t>
-            </a:r>
-            <a:r>
-              <a:rPr lang="en-US" dirty="0" err="1"/>
-              <a:t>Math.random</a:t>
-            </a:r>
-            <a:r>
-              <a:rPr lang="en-US" dirty="0"/>
-              <a:t>();)</a:t>
+              <a:t>Pick random number (Math.random();)</a:t>
             </a:r>
           </a:p>
           <a:p>
@@ -4224,7 +4278,9 @@
         </p:nvSpPr>
         <p:spPr/>
         <p:txBody>
-          <a:bodyPr/>
+          <a:bodyPr>
+            <a:normAutofit/>
+          </a:bodyPr>
           <a:lstStyle/>
           <a:p>
             <a:pPr marL="342900" indent="-342900" algn="l">
@@ -4513,111 +4569,142 @@
 </p:sld>
 </file>
 
+<file path=ppt/slides/slide9.xml><?xml version="1.0" encoding="utf-8"?>
+<p:sld xmlns:a="http://schemas.openxmlformats.org/drawingml/2006/main" xmlns:r="http://schemas.openxmlformats.org/officeDocument/2006/relationships" xmlns:p="http://schemas.openxmlformats.org/presentationml/2006/main">
+  <p:cSld>
+    <p:spTree>
+      <p:nvGrpSpPr>
+        <p:cNvPr id="1" name=""/>
+        <p:cNvGrpSpPr/>
+        <p:nvPr/>
+      </p:nvGrpSpPr>
+      <p:grpSpPr>
+        <a:xfrm>
+          <a:off x="0" y="0"/>
+          <a:ext cx="0" cy="0"/>
+          <a:chOff x="0" y="0"/>
+          <a:chExt cx="0" cy="0"/>
+        </a:xfrm>
+      </p:grpSpPr>
+      <p:sp>
+        <p:nvSpPr>
+          <p:cNvPr id="4" name="Title 3">
+            <a:extLst>
+              <a:ext uri="{FF2B5EF4-FFF2-40B4-BE49-F238E27FC236}">
+                <a16:creationId xmlns:a16="http://schemas.microsoft.com/office/drawing/2014/main" id="{30435F51-429A-4EF6-B5D1-BC9008706915}"/>
+              </a:ext>
+            </a:extLst>
+          </p:cNvPr>
+          <p:cNvSpPr>
+            <a:spLocks noGrp="1"/>
+          </p:cNvSpPr>
+          <p:nvPr>
+            <p:ph type="ctrTitle"/>
+          </p:nvPr>
+        </p:nvSpPr>
+        <p:spPr/>
+        <p:txBody>
+          <a:bodyPr/>
+          <a:lstStyle/>
+          <a:p>
+            <a:r>
+              <a:rPr lang="en-US" dirty="0"/>
+              <a:t>Questions</a:t>
+            </a:r>
+          </a:p>
+        </p:txBody>
+      </p:sp>
+      <p:sp>
+        <p:nvSpPr>
+          <p:cNvPr id="5" name="Subtitle 4">
+            <a:extLst>
+              <a:ext uri="{FF2B5EF4-FFF2-40B4-BE49-F238E27FC236}">
+                <a16:creationId xmlns:a16="http://schemas.microsoft.com/office/drawing/2014/main" id="{78DDEB49-2DA6-43C0-80C0-5B380AA6A5DE}"/>
+              </a:ext>
+            </a:extLst>
+          </p:cNvPr>
+          <p:cNvSpPr>
+            <a:spLocks noGrp="1"/>
+          </p:cNvSpPr>
+          <p:nvPr>
+            <p:ph type="subTitle" idx="1"/>
+          </p:nvPr>
+        </p:nvSpPr>
+        <p:spPr/>
+        <p:txBody>
+          <a:bodyPr/>
+          <a:lstStyle/>
+          <a:p>
+            <a:endParaRPr lang="en-US"/>
+          </a:p>
+        </p:txBody>
+      </p:sp>
+    </p:spTree>
+    <p:extLst>
+      <p:ext uri="{BB962C8B-B14F-4D97-AF65-F5344CB8AC3E}">
+        <p14:creationId xmlns:p14="http://schemas.microsoft.com/office/powerpoint/2010/main" val="1834457844"/>
+      </p:ext>
+    </p:extLst>
+  </p:cSld>
+  <p:clrMapOvr>
+    <a:masterClrMapping/>
+  </p:clrMapOvr>
+</p:sld>
+</file>
+
 <file path=ppt/theme/theme1.xml><?xml version="1.0" encoding="utf-8"?>
-<a:theme xmlns:a="http://schemas.openxmlformats.org/drawingml/2006/main" name="Office Theme">
+<a:theme xmlns:a="http://schemas.openxmlformats.org/drawingml/2006/main" name="Banded">
   <a:themeElements>
-    <a:clrScheme name="Office">
+    <a:clrScheme name="Banded">
       <a:dk1>
-        <a:sysClr val="windowText" lastClr="000000"/>
+        <a:srgbClr val="2C2C2C"/>
       </a:dk1>
       <a:lt1>
-        <a:sysClr val="window" lastClr="FFFFFF"/>
+        <a:srgbClr val="FFFFFF"/>
       </a:lt1>
       <a:dk2>
-        <a:srgbClr val="44546A"/>
+        <a:srgbClr val="099BDD"/>
       </a:dk2>
       <a:lt2>
-        <a:srgbClr val="E7E6E6"/>
+        <a:srgbClr val="F2F2F2"/>
       </a:lt2>
       <a:accent1>
-        <a:srgbClr val="4472C4"/>
+        <a:srgbClr val="FFC000"/>
       </a:accent1>
       <a:accent2>
-        <a:srgbClr val="ED7D31"/>
+        <a:srgbClr val="A5D028"/>
       </a:accent2>
       <a:accent3>
-        <a:srgbClr val="A5A5A5"/>
+        <a:srgbClr val="08CC78"/>
       </a:accent3>
       <a:accent4>
-        <a:srgbClr val="FFC000"/>
+        <a:srgbClr val="F24099"/>
       </a:accent4>
       <a:accent5>
-        <a:srgbClr val="5B9BD5"/>
+        <a:srgbClr val="828288"/>
       </a:accent5>
       <a:accent6>
-        <a:srgbClr val="70AD47"/>
+        <a:srgbClr val="F56617"/>
       </a:accent6>
       <a:hlink>
-        <a:srgbClr val="0563C1"/>
+        <a:srgbClr val="005DBA"/>
       </a:hlink>
       <a:folHlink>
-        <a:srgbClr val="954F72"/>
+        <a:srgbClr val="6C606A"/>
       </a:folHlink>
     </a:clrScheme>
-    <a:fontScheme name="Office">
+    <a:fontScheme name="Banded">
       <a:majorFont>
-        <a:latin typeface="Calibri Light" panose="020F0302020204030204"/>
+        <a:latin typeface="Corbel" panose="020B0503020204020204"/>
         <a:ea typeface=""/>
         <a:cs typeface=""/>
-        <a:font script="Jpan" typeface="游ゴシック Light"/>
+        <a:font script="Jpan" typeface="ＭＳ ゴシック"/>
         <a:font script="Hang" typeface="맑은 고딕"/>
-        <a:font script="Hans" typeface="等线 Light"/>
+        <a:font script="Hans" typeface="宋体"/>
         <a:font script="Hant" typeface="新細明體"/>
-        <a:font script="Arab" typeface="Times New Roman"/>
-        <a:font script="Hebr" typeface="Times New Roman"/>
-        <a:font script="Thai" typeface="Angsana New"/>
-        <a:font script="Ethi" typeface="Nyala"/>
-        <a:font script="Beng" typeface="Vrinda"/>
-        <a:font script="Gujr" typeface="Shruti"/>
-        <a:font script="Khmr" typeface="MoolBoran"/>
-        <a:font script="Knda" typeface="Tunga"/>
-        <a:font script="Guru" typeface="Raavi"/>
-        <a:font script="Cans" typeface="Euphemia"/>
-        <a:font script="Cher" typeface="Plantagenet Cherokee"/>
-        <a:font script="Yiii" typeface="Microsoft Yi Baiti"/>
-        <a:font script="Tibt" typeface="Microsoft Himalaya"/>
-        <a:font script="Thaa" typeface="MV Boli"/>
-        <a:font script="Deva" typeface="Mangal"/>
-        <a:font script="Telu" typeface="Gautami"/>
-        <a:font script="Taml" typeface="Latha"/>
-        <a:font script="Syrc" typeface="Estrangelo Edessa"/>
-        <a:font script="Orya" typeface="Kalinga"/>
-        <a:font script="Mlym" typeface="Kartika"/>
-        <a:font script="Laoo" typeface="DokChampa"/>
-        <a:font script="Sinh" typeface="Iskoola Pota"/>
-        <a:font script="Mong" typeface="Mongolian Baiti"/>
-        <a:font script="Viet" typeface="Times New Roman"/>
-        <a:font script="Uigh" typeface="Microsoft Uighur"/>
-        <a:font script="Geor" typeface="Sylfaen"/>
-        <a:font script="Armn" typeface="Arial"/>
-        <a:font script="Bugi" typeface="Leelawadee UI"/>
-        <a:font script="Bopo" typeface="Microsoft JhengHei"/>
-        <a:font script="Java" typeface="Javanese Text"/>
-        <a:font script="Lisu" typeface="Segoe UI"/>
-        <a:font script="Mymr" typeface="Myanmar Text"/>
-        <a:font script="Nkoo" typeface="Ebrima"/>
-        <a:font script="Olck" typeface="Nirmala UI"/>
-        <a:font script="Osma" typeface="Ebrima"/>
-        <a:font script="Phag" typeface="Phagspa"/>
-        <a:font script="Syrn" typeface="Estrangelo Edessa"/>
-        <a:font script="Syrj" typeface="Estrangelo Edessa"/>
-        <a:font script="Syre" typeface="Estrangelo Edessa"/>
-        <a:font script="Sora" typeface="Nirmala UI"/>
-        <a:font script="Tale" typeface="Microsoft Tai Le"/>
-        <a:font script="Talu" typeface="Microsoft New Tai Lue"/>
-        <a:font script="Tfng" typeface="Ebrima"/>
-      </a:majorFont>
-      <a:minorFont>
-        <a:latin typeface="Calibri" panose="020F0502020204030204"/>
-        <a:ea typeface=""/>
-        <a:cs typeface=""/>
-        <a:font script="Jpan" typeface="游ゴシック"/>
-        <a:font script="Hang" typeface="맑은 고딕"/>
-        <a:font script="Hans" typeface="等线"/>
-        <a:font script="Hant" typeface="新細明體"/>
-        <a:font script="Arab" typeface="Arial"/>
-        <a:font script="Hebr" typeface="Arial"/>
-        <a:font script="Thai" typeface="Cordia New"/>
+        <a:font script="Arab" typeface="Tahoma"/>
+        <a:font script="Hebr" typeface="Gisha"/>
+        <a:font script="Thai" typeface="DilleniaUPC"/>
         <a:font script="Ethi" typeface="Nyala"/>
         <a:font script="Beng" typeface="Vrinda"/>
         <a:font script="Gujr" typeface="Shruti"/>
@@ -4638,29 +4725,47 @@
         <a:font script="Laoo" typeface="DokChampa"/>
         <a:font script="Sinh" typeface="Iskoola Pota"/>
         <a:font script="Mong" typeface="Mongolian Baiti"/>
-        <a:font script="Viet" typeface="Arial"/>
+        <a:font script="Viet" typeface="Tahoma"/>
         <a:font script="Uigh" typeface="Microsoft Uighur"/>
         <a:font script="Geor" typeface="Sylfaen"/>
-        <a:font script="Armn" typeface="Arial"/>
-        <a:font script="Bugi" typeface="Leelawadee UI"/>
-        <a:font script="Bopo" typeface="Microsoft JhengHei"/>
-        <a:font script="Java" typeface="Javanese Text"/>
-        <a:font script="Lisu" typeface="Segoe UI"/>
-        <a:font script="Mymr" typeface="Myanmar Text"/>
-        <a:font script="Nkoo" typeface="Ebrima"/>
-        <a:font script="Olck" typeface="Nirmala UI"/>
-        <a:font script="Osma" typeface="Ebrima"/>
-        <a:font script="Phag" typeface="Phagspa"/>
-        <a:font script="Syrn" typeface="Estrangelo Edessa"/>
-        <a:font script="Syrj" typeface="Estrangelo Edessa"/>
-        <a:font script="Syre" typeface="Estrangelo Edessa"/>
-        <a:font script="Sora" typeface="Nirmala UI"/>
-        <a:font script="Tale" typeface="Microsoft Tai Le"/>
-        <a:font script="Talu" typeface="Microsoft New Tai Lue"/>
-        <a:font script="Tfng" typeface="Ebrima"/>
+      </a:majorFont>
+      <a:minorFont>
+        <a:latin typeface="Corbel" panose="020B0503020204020204"/>
+        <a:ea typeface=""/>
+        <a:cs typeface=""/>
+        <a:font script="Jpan" typeface="ＭＳ ゴシック"/>
+        <a:font script="Hang" typeface="맑은 고딕"/>
+        <a:font script="Hans" typeface="宋体"/>
+        <a:font script="Hant" typeface="新細明體"/>
+        <a:font script="Arab" typeface="Tahoma"/>
+        <a:font script="Hebr" typeface="Gisha"/>
+        <a:font script="Thai" typeface="DilleniaUPC"/>
+        <a:font script="Ethi" typeface="Nyala"/>
+        <a:font script="Beng" typeface="Vrinda"/>
+        <a:font script="Gujr" typeface="Shruti"/>
+        <a:font script="Khmr" typeface="DaunPenh"/>
+        <a:font script="Knda" typeface="Tunga"/>
+        <a:font script="Guru" typeface="Raavi"/>
+        <a:font script="Cans" typeface="Euphemia"/>
+        <a:font script="Cher" typeface="Plantagenet Cherokee"/>
+        <a:font script="Yiii" typeface="Microsoft Yi Baiti"/>
+        <a:font script="Tibt" typeface="Microsoft Himalaya"/>
+        <a:font script="Thaa" typeface="MV Boli"/>
+        <a:font script="Deva" typeface="Mangal"/>
+        <a:font script="Telu" typeface="Gautami"/>
+        <a:font script="Taml" typeface="Latha"/>
+        <a:font script="Syrc" typeface="Estrangelo Edessa"/>
+        <a:font script="Orya" typeface="Kalinga"/>
+        <a:font script="Mlym" typeface="Kartika"/>
+        <a:font script="Laoo" typeface="DokChampa"/>
+        <a:font script="Sinh" typeface="Iskoola Pota"/>
+        <a:font script="Mong" typeface="Mongolian Baiti"/>
+        <a:font script="Viet" typeface="Verdana"/>
+        <a:font script="Uigh" typeface="Microsoft Uighur"/>
+        <a:font script="Geor" typeface="Sylfaen"/>
       </a:minorFont>
     </a:fontScheme>
-    <a:fmtScheme name="Office">
+    <a:fmtScheme name="Banded">
       <a:fillStyleLst>
         <a:solidFill>
           <a:schemeClr val="phClr"/>
@@ -4669,23 +4774,23 @@
           <a:gsLst>
             <a:gs pos="0">
               <a:schemeClr val="phClr">
-                <a:lumMod val="110000"/>
-                <a:satMod val="105000"/>
-                <a:tint val="67000"/>
+                <a:tint val="65000"/>
+                <a:satMod val="120000"/>
+                <a:lumMod val="107000"/>
               </a:schemeClr>
             </a:gs>
             <a:gs pos="50000">
               <a:schemeClr val="phClr">
-                <a:lumMod val="105000"/>
-                <a:satMod val="103000"/>
-                <a:tint val="73000"/>
+                <a:tint val="70000"/>
+                <a:satMod val="124000"/>
+                <a:lumMod val="103000"/>
               </a:schemeClr>
             </a:gs>
             <a:gs pos="100000">
               <a:schemeClr val="phClr">
-                <a:lumMod val="105000"/>
-                <a:satMod val="109000"/>
-                <a:tint val="81000"/>
+                <a:tint val="85000"/>
+                <a:satMod val="120000"/>
+                <a:lumMod val="100000"/>
               </a:schemeClr>
             </a:gs>
           </a:gsLst>
@@ -4695,23 +4800,24 @@
           <a:gsLst>
             <a:gs pos="0">
               <a:schemeClr val="phClr">
-                <a:satMod val="103000"/>
-                <a:lumMod val="102000"/>
-                <a:tint val="94000"/>
+                <a:tint val="85000"/>
+                <a:shade val="98000"/>
+                <a:satMod val="110000"/>
+                <a:lumMod val="103000"/>
               </a:schemeClr>
             </a:gs>
             <a:gs pos="50000">
               <a:schemeClr val="phClr">
-                <a:satMod val="110000"/>
+                <a:shade val="85000"/>
+                <a:satMod val="105000"/>
                 <a:lumMod val="100000"/>
-                <a:shade val="100000"/>
               </a:schemeClr>
             </a:gs>
             <a:gs pos="100000">
               <a:schemeClr val="phClr">
-                <a:lumMod val="99000"/>
+                <a:shade val="60000"/>
                 <a:satMod val="120000"/>
-                <a:shade val="78000"/>
+                <a:lumMod val="100000"/>
               </a:schemeClr>
             </a:gs>
           </a:gsLst>
@@ -4719,26 +4825,23 @@
         </a:gradFill>
       </a:fillStyleLst>
       <a:lnStyleLst>
-        <a:ln w="6350" cap="flat" cmpd="sng" algn="ctr">
+        <a:ln w="9525" cap="flat" cmpd="sng" algn="ctr">
           <a:solidFill>
             <a:schemeClr val="phClr"/>
           </a:solidFill>
           <a:prstDash val="solid"/>
-          <a:miter lim="800000"/>
         </a:ln>
         <a:ln w="12700" cap="flat" cmpd="sng" algn="ctr">
           <a:solidFill>
             <a:schemeClr val="phClr"/>
           </a:solidFill>
           <a:prstDash val="solid"/>
-          <a:miter lim="800000"/>
         </a:ln>
-        <a:ln w="19050" cap="flat" cmpd="sng" algn="ctr">
+        <a:ln w="25400" cap="flat" cmpd="sng" algn="ctr">
           <a:solidFill>
             <a:schemeClr val="phClr"/>
           </a:solidFill>
           <a:prstDash val="solid"/>
-          <a:miter lim="800000"/>
         </a:ln>
       </a:lnStyleLst>
       <a:effectStyleLst>
@@ -4746,11 +4849,17 @@
           <a:effectLst/>
         </a:effectStyle>
         <a:effectStyle>
-          <a:effectLst/>
+          <a:effectLst>
+            <a:outerShdw blurRad="50800" dist="15875" dir="5400000" algn="ctr" rotWithShape="0">
+              <a:srgbClr val="000000">
+                <a:alpha val="68000"/>
+              </a:srgbClr>
+            </a:outerShdw>
+          </a:effectLst>
         </a:effectStyle>
         <a:effectStyle>
           <a:effectLst>
-            <a:outerShdw blurRad="57150" dist="19050" dir="5400000" algn="ctr" rotWithShape="0">
+            <a:outerShdw blurRad="88900" dist="27940" dir="5400000" algn="ctr" rotWithShape="0">
               <a:srgbClr val="000000">
                 <a:alpha val="63000"/>
               </a:srgbClr>
@@ -4762,34 +4871,31 @@
         <a:solidFill>
           <a:schemeClr val="phClr"/>
         </a:solidFill>
-        <a:solidFill>
-          <a:schemeClr val="phClr">
-            <a:tint val="95000"/>
-            <a:satMod val="170000"/>
-          </a:schemeClr>
-        </a:solidFill>
+        <a:blipFill rotWithShape="1">
+          <a:blip xmlns:r="http://schemas.openxmlformats.org/officeDocument/2006/relationships" r:embed="rId1">
+            <a:duotone>
+              <a:schemeClr val="phClr"/>
+              <a:schemeClr val="phClr">
+                <a:shade val="91000"/>
+                <a:satMod val="105000"/>
+              </a:schemeClr>
+            </a:duotone>
+          </a:blip>
+          <a:tile tx="0" ty="0" sx="100000" sy="100000" flip="none" algn="tl"/>
+        </a:blipFill>
         <a:gradFill rotWithShape="1">
           <a:gsLst>
             <a:gs pos="0">
               <a:schemeClr val="phClr">
-                <a:tint val="93000"/>
-                <a:satMod val="150000"/>
-                <a:shade val="98000"/>
-                <a:lumMod val="102000"/>
-              </a:schemeClr>
-            </a:gs>
-            <a:gs pos="50000">
-              <a:schemeClr val="phClr">
-                <a:tint val="98000"/>
-                <a:satMod val="130000"/>
-                <a:shade val="90000"/>
-                <a:lumMod val="103000"/>
+                <a:tint val="100000"/>
+                <a:shade val="0"/>
+                <a:satMod val="100000"/>
               </a:schemeClr>
             </a:gs>
             <a:gs pos="100000">
               <a:schemeClr val="phClr">
-                <a:shade val="63000"/>
-                <a:satMod val="120000"/>
+                <a:shade val="100000"/>
+                <a:satMod val="100000"/>
               </a:schemeClr>
             </a:gs>
           </a:gsLst>
@@ -4802,7 +4908,7 @@
   <a:extraClrSchemeLst/>
   <a:extLst>
     <a:ext uri="{05A4C25C-085E-4340-85A3-A5531E510DB2}">
-      <thm15:themeFamily xmlns:thm15="http://schemas.microsoft.com/office/thememl/2012/main" name="Office Theme" id="{62F939B6-93AF-4DB8-9C6B-D6C7DFDC589F}" vid="{4A3C46E8-61CC-4603-A589-7422A47A8E4A}"/>
+      <thm15:themeFamily xmlns:thm15="http://schemas.microsoft.com/office/thememl/2012/main" name="Banded" id="{98DFF888-2449-4D28-977C-6306C017633E}" vid="{9792607F-9579-4224-82FF-9C88C3E1E53D}"/>
     </a:ext>
   </a:extLst>
 </a:theme>
